--- a/doc/presentation.pptx
+++ b/doc/presentation.pptx
@@ -2,22 +2,24 @@
 <file path=ppt/presentation.xml><?xml version="1.0" encoding="utf-8"?>
 <p:presentation xmlns:a="http://schemas.openxmlformats.org/drawingml/2006/main" xmlns:r="http://schemas.openxmlformats.org/officeDocument/2006/relationships" xmlns:p="http://schemas.openxmlformats.org/presentationml/2006/main">
   <p:sldMasterIdLst>
-    <p:sldMasterId id="2147483648" r:id="rId5"/>
+    <p:sldMasterId id="2147483648" r:id="rId1"/>
   </p:sldMasterIdLst>
   <p:notesMasterIdLst>
-    <p:notesMasterId r:id="rId7"/>
+    <p:notesMasterId r:id="rId14"/>
   </p:notesMasterIdLst>
   <p:sldIdLst>
-    <p:sldId id="256" r:id="rId8"/>
-    <p:sldId id="257" r:id="rId9"/>
-    <p:sldId id="258" r:id="rId10"/>
-    <p:sldId id="259" r:id="rId11"/>
-    <p:sldId id="260" r:id="rId12"/>
-    <p:sldId id="261" r:id="rId13"/>
-    <p:sldId id="262" r:id="rId14"/>
-    <p:sldId id="263" r:id="rId15"/>
-    <p:sldId id="264" r:id="rId16"/>
-    <p:sldId id="265" r:id="rId17"/>
+    <p:sldId id="256" r:id="rId2"/>
+    <p:sldId id="257" r:id="rId3"/>
+    <p:sldId id="267" r:id="rId4"/>
+    <p:sldId id="258" r:id="rId5"/>
+    <p:sldId id="266" r:id="rId6"/>
+    <p:sldId id="259" r:id="rId7"/>
+    <p:sldId id="260" r:id="rId8"/>
+    <p:sldId id="261" r:id="rId9"/>
+    <p:sldId id="262" r:id="rId10"/>
+    <p:sldId id="263" r:id="rId11"/>
+    <p:sldId id="264" r:id="rId12"/>
+    <p:sldId id="265" r:id="rId13"/>
   </p:sldIdLst>
   <p:sldSz cx="13004800" cy="9753600"/>
   <p:notesSz cx="6858000" cy="9144000"/>
@@ -125,13 +127,14 @@
 </p:presentation>
 </file>
 
-<file path=ppt/commentAuthors.xml><?xml version="1.0" encoding="utf-8"?>
-<p:cmAuthorLst xmlns:a="http://schemas.openxmlformats.org/drawingml/2006/main" xmlns:r="http://schemas.openxmlformats.org/officeDocument/2006/relationships" xmlns:p="http://schemas.openxmlformats.org/presentationml/2006/main"/>
-</file>
-
 <file path=ppt/notesMasters/notesMaster1.xml><?xml version="1.0" encoding="utf-8"?>
 <p:notesMaster xmlns:a="http://schemas.openxmlformats.org/drawingml/2006/main" xmlns:r="http://schemas.openxmlformats.org/officeDocument/2006/relationships" xmlns:p="http://schemas.openxmlformats.org/presentationml/2006/main">
   <p:cSld>
+    <p:bg>
+      <p:bgRef idx="1001">
+        <a:schemeClr val="bg1"/>
+      </p:bgRef>
+    </p:bg>
     <p:spTree>
       <p:nvGrpSpPr>
         <p:cNvPr id="1" name=""/>
@@ -149,7 +152,9 @@
       <p:sp>
         <p:nvSpPr>
           <p:cNvPr id="29" name="Shape 29"/>
-          <p:cNvSpPr/>
+          <p:cNvSpPr>
+            <a:spLocks noGrp="1" noRot="1" noChangeAspect="1"/>
+          </p:cNvSpPr>
           <p:nvPr>
             <p:ph type="sldImg"/>
           </p:nvPr>
@@ -168,13 +173,16 @@
           <a:lstStyle/>
           <a:p>
             <a:pPr lvl="0"/>
+            <a:endParaRPr/>
           </a:p>
         </p:txBody>
       </p:sp>
       <p:sp>
         <p:nvSpPr>
           <p:cNvPr id="30" name="Shape 30"/>
-          <p:cNvSpPr/>
+          <p:cNvSpPr>
+            <a:spLocks noGrp="1"/>
+          </p:cNvSpPr>
           <p:nvPr>
             <p:ph type="body" sz="quarter" idx="1"/>
           </p:nvPr>
@@ -193,10 +201,16 @@
           <a:lstStyle/>
           <a:p>
             <a:pPr lvl="0"/>
+            <a:endParaRPr/>
           </a:p>
         </p:txBody>
       </p:sp>
     </p:spTree>
+    <p:extLst>
+      <p:ext uri="{BB962C8B-B14F-4D97-AF65-F5344CB8AC3E}">
+        <p14:creationId xmlns:p14="http://schemas.microsoft.com/office/powerpoint/2010/main" val="3154703498"/>
+      </p:ext>
+    </p:extLst>
   </p:cSld>
   <p:clrMap bg1="lt1" tx1="dk1" bg2="lt2" tx2="dk2" accent1="accent1" accent2="accent2" accent3="accent3" accent4="accent4" accent5="accent5" accent6="accent6" hlink="hlink" folHlink="folHlink"/>
   <p:notesStyle>
@@ -304,7 +318,7 @@
 </file>
 
 <file path=ppt/slideLayouts/slideLayout1.xml><?xml version="1.0" encoding="utf-8"?>
-<p:sldLayout xmlns:a="http://schemas.openxmlformats.org/drawingml/2006/main" xmlns:r="http://schemas.openxmlformats.org/officeDocument/2006/relationships" xmlns:p="http://schemas.openxmlformats.org/presentationml/2006/main" type="tx" showMasterSp="1" showMasterPhAnim="1">
+<p:sldLayout xmlns:a="http://schemas.openxmlformats.org/drawingml/2006/main" xmlns:r="http://schemas.openxmlformats.org/officeDocument/2006/relationships" xmlns:p="http://schemas.openxmlformats.org/presentationml/2006/main" type="tx">
   <p:cSld name="标题与副标题">
     <p:spTree>
       <p:nvGrpSpPr>
@@ -323,7 +337,9 @@
       <p:sp>
         <p:nvSpPr>
           <p:cNvPr id="5" name="Shape 5"/>
-          <p:cNvSpPr/>
+          <p:cNvSpPr>
+            <a:spLocks noGrp="1"/>
+          </p:cNvSpPr>
           <p:nvPr>
             <p:ph type="title"/>
           </p:nvPr>
@@ -362,7 +378,9 @@
       <p:sp>
         <p:nvSpPr>
           <p:cNvPr id="6" name="Shape 6"/>
-          <p:cNvSpPr/>
+          <p:cNvSpPr>
+            <a:spLocks noGrp="1"/>
+          </p:cNvSpPr>
           <p:nvPr>
             <p:ph type="body" idx="1"/>
           </p:nvPr>
@@ -436,11 +454,6 @@
               </a:rPr>
               <a:t>正文级别 1</a:t>
             </a:r>
-            <a:endParaRPr sz="3200">
-              <a:solidFill>
-                <a:srgbClr val="FFFFFF"/>
-              </a:solidFill>
-            </a:endParaRPr>
           </a:p>
           <a:p>
             <a:pPr lvl="1">
@@ -458,11 +471,6 @@
               </a:rPr>
               <a:t>正文级别 2</a:t>
             </a:r>
-            <a:endParaRPr sz="3200">
-              <a:solidFill>
-                <a:srgbClr val="FFFFFF"/>
-              </a:solidFill>
-            </a:endParaRPr>
           </a:p>
           <a:p>
             <a:pPr lvl="2">
@@ -480,11 +488,6 @@
               </a:rPr>
               <a:t>正文级别 3</a:t>
             </a:r>
-            <a:endParaRPr sz="3200">
-              <a:solidFill>
-                <a:srgbClr val="FFFFFF"/>
-              </a:solidFill>
-            </a:endParaRPr>
           </a:p>
           <a:p>
             <a:pPr lvl="3">
@@ -502,11 +505,6 @@
               </a:rPr>
               <a:t>正文级别 4</a:t>
             </a:r>
-            <a:endParaRPr sz="3200">
-              <a:solidFill>
-                <a:srgbClr val="FFFFFF"/>
-              </a:solidFill>
-            </a:endParaRPr>
           </a:p>
           <a:p>
             <a:pPr lvl="4">
@@ -532,38 +530,12 @@
   <p:clrMapOvr>
     <a:masterClrMapping/>
   </p:clrMapOvr>
-  <p:transition spd="med" advClick="1"/>
+  <p:transition xmlns:p14="http://schemas.microsoft.com/office/powerpoint/2010/main" spd="med"/>
 </p:sldLayout>
 </file>
 
 <file path=ppt/slideLayouts/slideLayout10.xml><?xml version="1.0" encoding="utf-8"?>
-<p:sldLayout xmlns:a="http://schemas.openxmlformats.org/drawingml/2006/main" xmlns:r="http://schemas.openxmlformats.org/officeDocument/2006/relationships" xmlns:p="http://schemas.openxmlformats.org/presentationml/2006/main" type="tx" showMasterSp="1" showMasterPhAnim="1">
-  <p:cSld name="引文">
-    <p:spTree>
-      <p:nvGrpSpPr>
-        <p:cNvPr id="1" name=""/>
-        <p:cNvGrpSpPr/>
-        <p:nvPr/>
-      </p:nvGrpSpPr>
-      <p:grpSpPr>
-        <a:xfrm>
-          <a:off x="0" y="0"/>
-          <a:ext cx="0" cy="0"/>
-          <a:chOff x="0" y="0"/>
-          <a:chExt cx="0" cy="0"/>
-        </a:xfrm>
-      </p:grpSpPr>
-    </p:spTree>
-  </p:cSld>
-  <p:clrMapOvr>
-    <a:masterClrMapping/>
-  </p:clrMapOvr>
-  <p:transition spd="med" advClick="1"/>
-</p:sldLayout>
-</file>
-
-<file path=ppt/slideLayouts/slideLayout11.xml><?xml version="1.0" encoding="utf-8"?>
-<p:sldLayout xmlns:a="http://schemas.openxmlformats.org/drawingml/2006/main" xmlns:r="http://schemas.openxmlformats.org/officeDocument/2006/relationships" xmlns:p="http://schemas.openxmlformats.org/presentationml/2006/main" type="tx" showMasterSp="1" showMasterPhAnim="1">
+<p:sldLayout xmlns:a="http://schemas.openxmlformats.org/drawingml/2006/main" xmlns:r="http://schemas.openxmlformats.org/officeDocument/2006/relationships" xmlns:p="http://schemas.openxmlformats.org/presentationml/2006/main" type="tx">
   <p:cSld name="照片">
     <p:spTree>
       <p:nvGrpSpPr>
@@ -584,12 +556,12 @@
   <p:clrMapOvr>
     <a:masterClrMapping/>
   </p:clrMapOvr>
-  <p:transition spd="med" advClick="1"/>
+  <p:transition xmlns:p14="http://schemas.microsoft.com/office/powerpoint/2010/main" spd="med"/>
 </p:sldLayout>
 </file>
 
-<file path=ppt/slideLayouts/slideLayout12.xml><?xml version="1.0" encoding="utf-8"?>
-<p:sldLayout xmlns:a="http://schemas.openxmlformats.org/drawingml/2006/main" xmlns:r="http://schemas.openxmlformats.org/officeDocument/2006/relationships" xmlns:p="http://schemas.openxmlformats.org/presentationml/2006/main" type="tx" showMasterSp="1" showMasterPhAnim="1">
+<file path=ppt/slideLayouts/slideLayout11.xml><?xml version="1.0" encoding="utf-8"?>
+<p:sldLayout xmlns:a="http://schemas.openxmlformats.org/drawingml/2006/main" xmlns:r="http://schemas.openxmlformats.org/officeDocument/2006/relationships" xmlns:p="http://schemas.openxmlformats.org/presentationml/2006/main" type="tx">
   <p:cSld name="空白">
     <p:spTree>
       <p:nvGrpSpPr>
@@ -610,245 +582,12 @@
   <p:clrMapOvr>
     <a:masterClrMapping/>
   </p:clrMapOvr>
-  <p:transition spd="med" advClick="1"/>
+  <p:transition xmlns:p14="http://schemas.microsoft.com/office/powerpoint/2010/main" spd="med"/>
 </p:sldLayout>
 </file>
 
 <file path=ppt/slideLayouts/slideLayout2.xml><?xml version="1.0" encoding="utf-8"?>
-<p:sldLayout xmlns:a="http://schemas.openxmlformats.org/drawingml/2006/main" xmlns:r="http://schemas.openxmlformats.org/officeDocument/2006/relationships" xmlns:p="http://schemas.openxmlformats.org/presentationml/2006/main" type="tx" showMasterSp="1" showMasterPhAnim="1">
-  <p:cSld name="照片 - 水平">
-    <p:spTree>
-      <p:nvGrpSpPr>
-        <p:cNvPr id="1" name=""/>
-        <p:cNvGrpSpPr/>
-        <p:nvPr/>
-      </p:nvGrpSpPr>
-      <p:grpSpPr>
-        <a:xfrm>
-          <a:off x="0" y="0"/>
-          <a:ext cx="0" cy="0"/>
-          <a:chOff x="0" y="0"/>
-          <a:chExt cx="0" cy="0"/>
-        </a:xfrm>
-      </p:grpSpPr>
-      <p:sp>
-        <p:nvSpPr>
-          <p:cNvPr id="8" name="Shape 8"/>
-          <p:cNvSpPr/>
-          <p:nvPr>
-            <p:ph type="title"/>
-          </p:nvPr>
-        </p:nvSpPr>
-        <p:spPr>
-          <a:xfrm>
-            <a:off x="1270000" y="6718300"/>
-            <a:ext cx="10464800" cy="1422400"/>
-          </a:xfrm>
-          <a:prstGeom prst="rect">
-            <a:avLst/>
-          </a:prstGeom>
-        </p:spPr>
-        <p:txBody>
-          <a:bodyPr anchor="b"/>
-          <a:lstStyle/>
-          <a:p>
-            <a:pPr lvl="0">
-              <a:defRPr sz="1800">
-                <a:solidFill>
-                  <a:srgbClr val="000000"/>
-                </a:solidFill>
-              </a:defRPr>
-            </a:pPr>
-            <a:r>
-              <a:rPr sz="8000">
-                <a:solidFill>
-                  <a:srgbClr val="FFFFFF"/>
-                </a:solidFill>
-              </a:rPr>
-              <a:t>标题文本</a:t>
-            </a:r>
-          </a:p>
-        </p:txBody>
-      </p:sp>
-      <p:sp>
-        <p:nvSpPr>
-          <p:cNvPr id="9" name="Shape 9"/>
-          <p:cNvSpPr/>
-          <p:nvPr>
-            <p:ph type="body" idx="1"/>
-          </p:nvPr>
-        </p:nvSpPr>
-        <p:spPr>
-          <a:xfrm>
-            <a:off x="1270000" y="8191500"/>
-            <a:ext cx="10464800" cy="1219200"/>
-          </a:xfrm>
-          <a:prstGeom prst="rect">
-            <a:avLst/>
-          </a:prstGeom>
-        </p:spPr>
-        <p:txBody>
-          <a:bodyPr anchor="t"/>
-          <a:lstStyle>
-            <a:lvl1pPr marL="0" indent="0" algn="ctr">
-              <a:spcBef>
-                <a:spcPts val="0"/>
-              </a:spcBef>
-              <a:buSzTx/>
-              <a:buNone/>
-              <a:defRPr sz="3200"/>
-            </a:lvl1pPr>
-            <a:lvl2pPr marL="0" indent="228600" algn="ctr">
-              <a:spcBef>
-                <a:spcPts val="0"/>
-              </a:spcBef>
-              <a:buSzTx/>
-              <a:buNone/>
-              <a:defRPr sz="3200"/>
-            </a:lvl2pPr>
-            <a:lvl3pPr marL="0" indent="457200" algn="ctr">
-              <a:spcBef>
-                <a:spcPts val="0"/>
-              </a:spcBef>
-              <a:buSzTx/>
-              <a:buNone/>
-              <a:defRPr sz="3200"/>
-            </a:lvl3pPr>
-            <a:lvl4pPr marL="0" indent="685800" algn="ctr">
-              <a:spcBef>
-                <a:spcPts val="0"/>
-              </a:spcBef>
-              <a:buSzTx/>
-              <a:buNone/>
-              <a:defRPr sz="3200"/>
-            </a:lvl4pPr>
-            <a:lvl5pPr marL="0" indent="914400" algn="ctr">
-              <a:spcBef>
-                <a:spcPts val="0"/>
-              </a:spcBef>
-              <a:buSzTx/>
-              <a:buNone/>
-              <a:defRPr sz="3200"/>
-            </a:lvl5pPr>
-          </a:lstStyle>
-          <a:p>
-            <a:pPr lvl="0">
-              <a:defRPr sz="1800">
-                <a:solidFill>
-                  <a:srgbClr val="000000"/>
-                </a:solidFill>
-              </a:defRPr>
-            </a:pPr>
-            <a:r>
-              <a:rPr sz="3200">
-                <a:solidFill>
-                  <a:srgbClr val="FFFFFF"/>
-                </a:solidFill>
-              </a:rPr>
-              <a:t>正文级别 1</a:t>
-            </a:r>
-            <a:endParaRPr sz="3200">
-              <a:solidFill>
-                <a:srgbClr val="FFFFFF"/>
-              </a:solidFill>
-            </a:endParaRPr>
-          </a:p>
-          <a:p>
-            <a:pPr lvl="1">
-              <a:defRPr sz="1800">
-                <a:solidFill>
-                  <a:srgbClr val="000000"/>
-                </a:solidFill>
-              </a:defRPr>
-            </a:pPr>
-            <a:r>
-              <a:rPr sz="3200">
-                <a:solidFill>
-                  <a:srgbClr val="FFFFFF"/>
-                </a:solidFill>
-              </a:rPr>
-              <a:t>正文级别 2</a:t>
-            </a:r>
-            <a:endParaRPr sz="3200">
-              <a:solidFill>
-                <a:srgbClr val="FFFFFF"/>
-              </a:solidFill>
-            </a:endParaRPr>
-          </a:p>
-          <a:p>
-            <a:pPr lvl="2">
-              <a:defRPr sz="1800">
-                <a:solidFill>
-                  <a:srgbClr val="000000"/>
-                </a:solidFill>
-              </a:defRPr>
-            </a:pPr>
-            <a:r>
-              <a:rPr sz="3200">
-                <a:solidFill>
-                  <a:srgbClr val="FFFFFF"/>
-                </a:solidFill>
-              </a:rPr>
-              <a:t>正文级别 3</a:t>
-            </a:r>
-            <a:endParaRPr sz="3200">
-              <a:solidFill>
-                <a:srgbClr val="FFFFFF"/>
-              </a:solidFill>
-            </a:endParaRPr>
-          </a:p>
-          <a:p>
-            <a:pPr lvl="3">
-              <a:defRPr sz="1800">
-                <a:solidFill>
-                  <a:srgbClr val="000000"/>
-                </a:solidFill>
-              </a:defRPr>
-            </a:pPr>
-            <a:r>
-              <a:rPr sz="3200">
-                <a:solidFill>
-                  <a:srgbClr val="FFFFFF"/>
-                </a:solidFill>
-              </a:rPr>
-              <a:t>正文级别 4</a:t>
-            </a:r>
-            <a:endParaRPr sz="3200">
-              <a:solidFill>
-                <a:srgbClr val="FFFFFF"/>
-              </a:solidFill>
-            </a:endParaRPr>
-          </a:p>
-          <a:p>
-            <a:pPr lvl="4">
-              <a:defRPr sz="1800">
-                <a:solidFill>
-                  <a:srgbClr val="000000"/>
-                </a:solidFill>
-              </a:defRPr>
-            </a:pPr>
-            <a:r>
-              <a:rPr sz="3200">
-                <a:solidFill>
-                  <a:srgbClr val="FFFFFF"/>
-                </a:solidFill>
-              </a:rPr>
-              <a:t>正文级别 5</a:t>
-            </a:r>
-          </a:p>
-        </p:txBody>
-      </p:sp>
-    </p:spTree>
-  </p:cSld>
-  <p:clrMapOvr>
-    <a:masterClrMapping/>
-  </p:clrMapOvr>
-  <p:transition spd="med" advClick="1"/>
-</p:sldLayout>
-</file>
-
-<file path=ppt/slideLayouts/slideLayout3.xml><?xml version="1.0" encoding="utf-8"?>
-<p:sldLayout xmlns:a="http://schemas.openxmlformats.org/drawingml/2006/main" xmlns:r="http://schemas.openxmlformats.org/officeDocument/2006/relationships" xmlns:p="http://schemas.openxmlformats.org/presentationml/2006/main" type="tx" showMasterSp="1" showMasterPhAnim="1">
+<p:sldLayout xmlns:a="http://schemas.openxmlformats.org/drawingml/2006/main" xmlns:r="http://schemas.openxmlformats.org/officeDocument/2006/relationships" xmlns:p="http://schemas.openxmlformats.org/presentationml/2006/main" type="tx">
   <p:cSld name="标题 - 居中">
     <p:spTree>
       <p:nvGrpSpPr>
@@ -867,7 +606,9 @@
       <p:sp>
         <p:nvSpPr>
           <p:cNvPr id="11" name="Shape 11"/>
-          <p:cNvSpPr/>
+          <p:cNvSpPr>
+            <a:spLocks noGrp="1"/>
+          </p:cNvSpPr>
           <p:nvPr>
             <p:ph type="title"/>
           </p:nvPr>
@@ -908,12 +649,12 @@
   <p:clrMapOvr>
     <a:masterClrMapping/>
   </p:clrMapOvr>
-  <p:transition spd="med" advClick="1"/>
+  <p:transition xmlns:p14="http://schemas.microsoft.com/office/powerpoint/2010/main" spd="med"/>
 </p:sldLayout>
 </file>
 
-<file path=ppt/slideLayouts/slideLayout4.xml><?xml version="1.0" encoding="utf-8"?>
-<p:sldLayout xmlns:a="http://schemas.openxmlformats.org/drawingml/2006/main" xmlns:r="http://schemas.openxmlformats.org/officeDocument/2006/relationships" xmlns:p="http://schemas.openxmlformats.org/presentationml/2006/main" type="tx" showMasterSp="1" showMasterPhAnim="1">
+<file path=ppt/slideLayouts/slideLayout3.xml><?xml version="1.0" encoding="utf-8"?>
+<p:sldLayout xmlns:a="http://schemas.openxmlformats.org/drawingml/2006/main" xmlns:r="http://schemas.openxmlformats.org/officeDocument/2006/relationships" xmlns:p="http://schemas.openxmlformats.org/presentationml/2006/main" type="tx">
   <p:cSld name="照片 - 垂直">
     <p:spTree>
       <p:nvGrpSpPr>
@@ -932,7 +673,9 @@
       <p:sp>
         <p:nvSpPr>
           <p:cNvPr id="13" name="Shape 13"/>
-          <p:cNvSpPr/>
+          <p:cNvSpPr>
+            <a:spLocks noGrp="1"/>
+          </p:cNvSpPr>
           <p:nvPr>
             <p:ph type="title"/>
           </p:nvPr>
@@ -975,7 +718,9 @@
       <p:sp>
         <p:nvSpPr>
           <p:cNvPr id="14" name="Shape 14"/>
-          <p:cNvSpPr/>
+          <p:cNvSpPr>
+            <a:spLocks noGrp="1"/>
+          </p:cNvSpPr>
           <p:nvPr>
             <p:ph type="body" idx="1"/>
           </p:nvPr>
@@ -1049,11 +794,6 @@
               </a:rPr>
               <a:t>正文级别 1</a:t>
             </a:r>
-            <a:endParaRPr sz="3200">
-              <a:solidFill>
-                <a:srgbClr val="FFFFFF"/>
-              </a:solidFill>
-            </a:endParaRPr>
           </a:p>
           <a:p>
             <a:pPr lvl="1">
@@ -1071,11 +811,6 @@
               </a:rPr>
               <a:t>正文级别 2</a:t>
             </a:r>
-            <a:endParaRPr sz="3200">
-              <a:solidFill>
-                <a:srgbClr val="FFFFFF"/>
-              </a:solidFill>
-            </a:endParaRPr>
           </a:p>
           <a:p>
             <a:pPr lvl="2">
@@ -1093,11 +828,6 @@
               </a:rPr>
               <a:t>正文级别 3</a:t>
             </a:r>
-            <a:endParaRPr sz="3200">
-              <a:solidFill>
-                <a:srgbClr val="FFFFFF"/>
-              </a:solidFill>
-            </a:endParaRPr>
           </a:p>
           <a:p>
             <a:pPr lvl="3">
@@ -1115,11 +845,6 @@
               </a:rPr>
               <a:t>正文级别 4</a:t>
             </a:r>
-            <a:endParaRPr sz="3200">
-              <a:solidFill>
-                <a:srgbClr val="FFFFFF"/>
-              </a:solidFill>
-            </a:endParaRPr>
           </a:p>
           <a:p>
             <a:pPr lvl="4">
@@ -1145,12 +870,12 @@
   <p:clrMapOvr>
     <a:masterClrMapping/>
   </p:clrMapOvr>
-  <p:transition spd="med" advClick="1"/>
+  <p:transition xmlns:p14="http://schemas.microsoft.com/office/powerpoint/2010/main" spd="med"/>
 </p:sldLayout>
 </file>
 
-<file path=ppt/slideLayouts/slideLayout5.xml><?xml version="1.0" encoding="utf-8"?>
-<p:sldLayout xmlns:a="http://schemas.openxmlformats.org/drawingml/2006/main" xmlns:r="http://schemas.openxmlformats.org/officeDocument/2006/relationships" xmlns:p="http://schemas.openxmlformats.org/presentationml/2006/main" type="tx" showMasterSp="1" showMasterPhAnim="1">
+<file path=ppt/slideLayouts/slideLayout4.xml><?xml version="1.0" encoding="utf-8"?>
+<p:sldLayout xmlns:a="http://schemas.openxmlformats.org/drawingml/2006/main" xmlns:r="http://schemas.openxmlformats.org/officeDocument/2006/relationships" xmlns:p="http://schemas.openxmlformats.org/presentationml/2006/main" type="tx">
   <p:cSld name="标题 - 顶部对齐">
     <p:spTree>
       <p:nvGrpSpPr>
@@ -1169,7 +894,9 @@
       <p:sp>
         <p:nvSpPr>
           <p:cNvPr id="16" name="Shape 16"/>
-          <p:cNvSpPr/>
+          <p:cNvSpPr>
+            <a:spLocks noGrp="1"/>
+          </p:cNvSpPr>
           <p:nvPr>
             <p:ph type="title"/>
           </p:nvPr>
@@ -1206,12 +933,12 @@
   <p:clrMapOvr>
     <a:masterClrMapping/>
   </p:clrMapOvr>
-  <p:transition spd="med" advClick="1"/>
+  <p:transition xmlns:p14="http://schemas.microsoft.com/office/powerpoint/2010/main" spd="med"/>
 </p:sldLayout>
 </file>
 
-<file path=ppt/slideLayouts/slideLayout6.xml><?xml version="1.0" encoding="utf-8"?>
-<p:sldLayout xmlns:a="http://schemas.openxmlformats.org/drawingml/2006/main" xmlns:r="http://schemas.openxmlformats.org/officeDocument/2006/relationships" xmlns:p="http://schemas.openxmlformats.org/presentationml/2006/main" type="tx" showMasterSp="1" showMasterPhAnim="1">
+<file path=ppt/slideLayouts/slideLayout5.xml><?xml version="1.0" encoding="utf-8"?>
+<p:sldLayout xmlns:a="http://schemas.openxmlformats.org/drawingml/2006/main" xmlns:r="http://schemas.openxmlformats.org/officeDocument/2006/relationships" xmlns:p="http://schemas.openxmlformats.org/presentationml/2006/main" type="tx">
   <p:cSld name="标题与项目符号">
     <p:spTree>
       <p:nvGrpSpPr>
@@ -1230,7 +957,9 @@
       <p:sp>
         <p:nvSpPr>
           <p:cNvPr id="18" name="Shape 18"/>
-          <p:cNvSpPr/>
+          <p:cNvSpPr>
+            <a:spLocks noGrp="1"/>
+          </p:cNvSpPr>
           <p:nvPr>
             <p:ph type="title"/>
           </p:nvPr>
@@ -1265,7 +994,9 @@
       <p:sp>
         <p:nvSpPr>
           <p:cNvPr id="19" name="Shape 19"/>
-          <p:cNvSpPr/>
+          <p:cNvSpPr>
+            <a:spLocks noGrp="1"/>
+          </p:cNvSpPr>
           <p:nvPr>
             <p:ph type="body" idx="1"/>
           </p:nvPr>
@@ -1294,11 +1025,6 @@
               </a:rPr>
               <a:t>正文级别 1</a:t>
             </a:r>
-            <a:endParaRPr sz="3800">
-              <a:solidFill>
-                <a:srgbClr val="FFFFFF"/>
-              </a:solidFill>
-            </a:endParaRPr>
           </a:p>
           <a:p>
             <a:pPr lvl="1">
@@ -1316,11 +1042,6 @@
               </a:rPr>
               <a:t>正文级别 2</a:t>
             </a:r>
-            <a:endParaRPr sz="3800">
-              <a:solidFill>
-                <a:srgbClr val="FFFFFF"/>
-              </a:solidFill>
-            </a:endParaRPr>
           </a:p>
           <a:p>
             <a:pPr lvl="2">
@@ -1338,11 +1059,6 @@
               </a:rPr>
               <a:t>正文级别 3</a:t>
             </a:r>
-            <a:endParaRPr sz="3800">
-              <a:solidFill>
-                <a:srgbClr val="FFFFFF"/>
-              </a:solidFill>
-            </a:endParaRPr>
           </a:p>
           <a:p>
             <a:pPr lvl="3">
@@ -1360,11 +1076,6 @@
               </a:rPr>
               <a:t>正文级别 4</a:t>
             </a:r>
-            <a:endParaRPr sz="3800">
-              <a:solidFill>
-                <a:srgbClr val="FFFFFF"/>
-              </a:solidFill>
-            </a:endParaRPr>
           </a:p>
           <a:p>
             <a:pPr lvl="4">
@@ -1390,12 +1101,12 @@
   <p:clrMapOvr>
     <a:masterClrMapping/>
   </p:clrMapOvr>
-  <p:transition spd="med" advClick="1"/>
+  <p:transition xmlns:p14="http://schemas.microsoft.com/office/powerpoint/2010/main" spd="med"/>
 </p:sldLayout>
 </file>
 
-<file path=ppt/slideLayouts/slideLayout7.xml><?xml version="1.0" encoding="utf-8"?>
-<p:sldLayout xmlns:a="http://schemas.openxmlformats.org/drawingml/2006/main" xmlns:r="http://schemas.openxmlformats.org/officeDocument/2006/relationships" xmlns:p="http://schemas.openxmlformats.org/presentationml/2006/main" type="tx" showMasterSp="1" showMasterPhAnim="1">
+<file path=ppt/slideLayouts/slideLayout6.xml><?xml version="1.0" encoding="utf-8"?>
+<p:sldLayout xmlns:a="http://schemas.openxmlformats.org/drawingml/2006/main" xmlns:r="http://schemas.openxmlformats.org/officeDocument/2006/relationships" xmlns:p="http://schemas.openxmlformats.org/presentationml/2006/main" type="tx">
   <p:cSld name="标题、项目符号与照片">
     <p:spTree>
       <p:nvGrpSpPr>
@@ -1414,7 +1125,9 @@
       <p:sp>
         <p:nvSpPr>
           <p:cNvPr id="21" name="Shape 21"/>
-          <p:cNvSpPr/>
+          <p:cNvSpPr>
+            <a:spLocks noGrp="1"/>
+          </p:cNvSpPr>
           <p:nvPr>
             <p:ph type="title"/>
           </p:nvPr>
@@ -1449,7 +1162,9 @@
       <p:sp>
         <p:nvSpPr>
           <p:cNvPr id="22" name="Shape 22"/>
-          <p:cNvSpPr/>
+          <p:cNvSpPr>
+            <a:spLocks noGrp="1"/>
+          </p:cNvSpPr>
           <p:nvPr>
             <p:ph type="body" idx="1"/>
           </p:nvPr>
@@ -1513,11 +1228,6 @@
               </a:rPr>
               <a:t>正文级别 1</a:t>
             </a:r>
-            <a:endParaRPr sz="2800">
-              <a:solidFill>
-                <a:srgbClr val="FFFFFF"/>
-              </a:solidFill>
-            </a:endParaRPr>
           </a:p>
           <a:p>
             <a:pPr lvl="1">
@@ -1535,11 +1245,6 @@
               </a:rPr>
               <a:t>正文级别 2</a:t>
             </a:r>
-            <a:endParaRPr sz="2800">
-              <a:solidFill>
-                <a:srgbClr val="FFFFFF"/>
-              </a:solidFill>
-            </a:endParaRPr>
           </a:p>
           <a:p>
             <a:pPr lvl="2">
@@ -1557,11 +1262,6 @@
               </a:rPr>
               <a:t>正文级别 3</a:t>
             </a:r>
-            <a:endParaRPr sz="2800">
-              <a:solidFill>
-                <a:srgbClr val="FFFFFF"/>
-              </a:solidFill>
-            </a:endParaRPr>
           </a:p>
           <a:p>
             <a:pPr lvl="3">
@@ -1579,11 +1279,6 @@
               </a:rPr>
               <a:t>正文级别 4</a:t>
             </a:r>
-            <a:endParaRPr sz="2800">
-              <a:solidFill>
-                <a:srgbClr val="FFFFFF"/>
-              </a:solidFill>
-            </a:endParaRPr>
           </a:p>
           <a:p>
             <a:pPr lvl="4">
@@ -1609,12 +1304,12 @@
   <p:clrMapOvr>
     <a:masterClrMapping/>
   </p:clrMapOvr>
-  <p:transition spd="med" advClick="1"/>
+  <p:transition xmlns:p14="http://schemas.microsoft.com/office/powerpoint/2010/main" spd="med"/>
 </p:sldLayout>
 </file>
 
-<file path=ppt/slideLayouts/slideLayout8.xml><?xml version="1.0" encoding="utf-8"?>
-<p:sldLayout xmlns:a="http://schemas.openxmlformats.org/drawingml/2006/main" xmlns:r="http://schemas.openxmlformats.org/officeDocument/2006/relationships" xmlns:p="http://schemas.openxmlformats.org/presentationml/2006/main" type="tx" showMasterSp="1" showMasterPhAnim="1">
+<file path=ppt/slideLayouts/slideLayout7.xml><?xml version="1.0" encoding="utf-8"?>
+<p:sldLayout xmlns:a="http://schemas.openxmlformats.org/drawingml/2006/main" xmlns:r="http://schemas.openxmlformats.org/officeDocument/2006/relationships" xmlns:p="http://schemas.openxmlformats.org/presentationml/2006/main" type="tx">
   <p:cSld name="项目符号">
     <p:spTree>
       <p:nvGrpSpPr>
@@ -1633,7 +1328,9 @@
       <p:sp>
         <p:nvSpPr>
           <p:cNvPr id="24" name="Shape 24"/>
-          <p:cNvSpPr/>
+          <p:cNvSpPr>
+            <a:spLocks noGrp="1"/>
+          </p:cNvSpPr>
           <p:nvPr>
             <p:ph type="body" idx="1"/>
           </p:nvPr>
@@ -1666,11 +1363,6 @@
               </a:rPr>
               <a:t>正文级别 1</a:t>
             </a:r>
-            <a:endParaRPr sz="3800">
-              <a:solidFill>
-                <a:srgbClr val="FFFFFF"/>
-              </a:solidFill>
-            </a:endParaRPr>
           </a:p>
           <a:p>
             <a:pPr lvl="1">
@@ -1688,11 +1380,6 @@
               </a:rPr>
               <a:t>正文级别 2</a:t>
             </a:r>
-            <a:endParaRPr sz="3800">
-              <a:solidFill>
-                <a:srgbClr val="FFFFFF"/>
-              </a:solidFill>
-            </a:endParaRPr>
           </a:p>
           <a:p>
             <a:pPr lvl="2">
@@ -1710,11 +1397,6 @@
               </a:rPr>
               <a:t>正文级别 3</a:t>
             </a:r>
-            <a:endParaRPr sz="3800">
-              <a:solidFill>
-                <a:srgbClr val="FFFFFF"/>
-              </a:solidFill>
-            </a:endParaRPr>
           </a:p>
           <a:p>
             <a:pPr lvl="3">
@@ -1732,11 +1414,6 @@
               </a:rPr>
               <a:t>正文级别 4</a:t>
             </a:r>
-            <a:endParaRPr sz="3800">
-              <a:solidFill>
-                <a:srgbClr val="FFFFFF"/>
-              </a:solidFill>
-            </a:endParaRPr>
           </a:p>
           <a:p>
             <a:pPr lvl="4">
@@ -1762,12 +1439,12 @@
   <p:clrMapOvr>
     <a:masterClrMapping/>
   </p:clrMapOvr>
-  <p:transition spd="med" advClick="1"/>
+  <p:transition xmlns:p14="http://schemas.microsoft.com/office/powerpoint/2010/main" spd="med"/>
 </p:sldLayout>
 </file>
 
-<file path=ppt/slideLayouts/slideLayout9.xml><?xml version="1.0" encoding="utf-8"?>
-<p:sldLayout xmlns:a="http://schemas.openxmlformats.org/drawingml/2006/main" xmlns:r="http://schemas.openxmlformats.org/officeDocument/2006/relationships" xmlns:p="http://schemas.openxmlformats.org/presentationml/2006/main" type="tx" showMasterSp="1" showMasterPhAnim="1">
+<file path=ppt/slideLayouts/slideLayout8.xml><?xml version="1.0" encoding="utf-8"?>
+<p:sldLayout xmlns:a="http://schemas.openxmlformats.org/drawingml/2006/main" xmlns:r="http://schemas.openxmlformats.org/officeDocument/2006/relationships" xmlns:p="http://schemas.openxmlformats.org/presentationml/2006/main" type="tx">
   <p:cSld name="照片 - 3 联">
     <p:spTree>
       <p:nvGrpSpPr>
@@ -1788,7 +1465,33 @@
   <p:clrMapOvr>
     <a:masterClrMapping/>
   </p:clrMapOvr>
-  <p:transition spd="med" advClick="1"/>
+  <p:transition xmlns:p14="http://schemas.microsoft.com/office/powerpoint/2010/main" spd="med"/>
+</p:sldLayout>
+</file>
+
+<file path=ppt/slideLayouts/slideLayout9.xml><?xml version="1.0" encoding="utf-8"?>
+<p:sldLayout xmlns:a="http://schemas.openxmlformats.org/drawingml/2006/main" xmlns:r="http://schemas.openxmlformats.org/officeDocument/2006/relationships" xmlns:p="http://schemas.openxmlformats.org/presentationml/2006/main" type="tx">
+  <p:cSld name="引文">
+    <p:spTree>
+      <p:nvGrpSpPr>
+        <p:cNvPr id="1" name=""/>
+        <p:cNvGrpSpPr/>
+        <p:nvPr/>
+      </p:nvGrpSpPr>
+      <p:grpSpPr>
+        <a:xfrm>
+          <a:off x="0" y="0"/>
+          <a:ext cx="0" cy="0"/>
+          <a:chOff x="0" y="0"/>
+          <a:chExt cx="0" cy="0"/>
+        </a:xfrm>
+      </p:grpSpPr>
+    </p:spTree>
+  </p:cSld>
+  <p:clrMapOvr>
+    <a:masterClrMapping/>
+  </p:clrMapOvr>
+  <p:transition xmlns:p14="http://schemas.microsoft.com/office/powerpoint/2010/main" spd="med"/>
 </p:sldLayout>
 </file>
 
@@ -1798,12 +1501,13 @@
     <p:bg>
       <p:bgPr>
         <a:blipFill rotWithShape="1">
-          <a:blip r:embed="rId2"/>
-          <a:srcRect l="0" t="0" r="0" b="0"/>
+          <a:blip r:embed="rId13"/>
+          <a:srcRect/>
           <a:stretch>
             <a:fillRect/>
           </a:stretch>
         </a:blipFill>
+        <a:effectLst/>
       </p:bgPr>
     </p:bg>
     <p:spTree>
@@ -1823,7 +1527,9 @@
       <p:sp>
         <p:nvSpPr>
           <p:cNvPr id="2" name="Shape 2"/>
-          <p:cNvSpPr/>
+          <p:cNvSpPr>
+            <a:spLocks noGrp="1"/>
+          </p:cNvSpPr>
           <p:nvPr>
             <p:ph type="title"/>
           </p:nvPr>
@@ -1847,7 +1553,7 @@
         </p:spPr>
         <p:txBody>
           <a:bodyPr lIns="0" tIns="0" rIns="0" bIns="0" anchor="ctr">
-            <a:normAutofit fontScale="100000" lnSpcReduction="0"/>
+            <a:normAutofit/>
           </a:bodyPr>
           <a:lstStyle/>
           <a:p>
@@ -1872,7 +1578,9 @@
       <p:sp>
         <p:nvSpPr>
           <p:cNvPr id="3" name="Shape 3"/>
-          <p:cNvSpPr/>
+          <p:cNvSpPr>
+            <a:spLocks noGrp="1"/>
+          </p:cNvSpPr>
           <p:nvPr>
             <p:ph type="body" idx="1"/>
           </p:nvPr>
@@ -1896,7 +1604,7 @@
         </p:spPr>
         <p:txBody>
           <a:bodyPr lIns="0" tIns="0" rIns="0" bIns="0" anchor="ctr">
-            <a:normAutofit fontScale="100000" lnSpcReduction="0"/>
+            <a:normAutofit/>
           </a:bodyPr>
           <a:lstStyle/>
           <a:p>
@@ -1915,11 +1623,6 @@
               </a:rPr>
               <a:t>正文级别 1</a:t>
             </a:r>
-            <a:endParaRPr sz="3800">
-              <a:solidFill>
-                <a:srgbClr val="FFFFFF"/>
-              </a:solidFill>
-            </a:endParaRPr>
           </a:p>
           <a:p>
             <a:pPr lvl="1">
@@ -1937,11 +1640,6 @@
               </a:rPr>
               <a:t>正文级别 2</a:t>
             </a:r>
-            <a:endParaRPr sz="3800">
-              <a:solidFill>
-                <a:srgbClr val="FFFFFF"/>
-              </a:solidFill>
-            </a:endParaRPr>
           </a:p>
           <a:p>
             <a:pPr lvl="2">
@@ -1959,11 +1657,6 @@
               </a:rPr>
               <a:t>正文级别 3</a:t>
             </a:r>
-            <a:endParaRPr sz="3800">
-              <a:solidFill>
-                <a:srgbClr val="FFFFFF"/>
-              </a:solidFill>
-            </a:endParaRPr>
           </a:p>
           <a:p>
             <a:pPr lvl="3">
@@ -1981,11 +1674,6 @@
               </a:rPr>
               <a:t>正文级别 4</a:t>
             </a:r>
-            <a:endParaRPr sz="3800">
-              <a:solidFill>
-                <a:srgbClr val="FFFFFF"/>
-              </a:solidFill>
-            </a:endParaRPr>
           </a:p>
           <a:p>
             <a:pPr lvl="4">
@@ -2010,20 +1698,19 @@
   </p:cSld>
   <p:clrMap bg1="dk1" tx1="lt1" bg2="dk2" tx2="lt2" accent1="accent1" accent2="accent2" accent3="accent3" accent4="accent4" accent5="accent5" accent6="accent6" hlink="hlink" folHlink="folHlink"/>
   <p:sldLayoutIdLst>
-    <p:sldLayoutId id="2147483649" r:id="rId3"/>
-    <p:sldLayoutId id="2147483650" r:id="rId4"/>
-    <p:sldLayoutId id="2147483651" r:id="rId5"/>
-    <p:sldLayoutId id="2147483652" r:id="rId6"/>
-    <p:sldLayoutId id="2147483653" r:id="rId7"/>
-    <p:sldLayoutId id="2147483654" r:id="rId8"/>
-    <p:sldLayoutId id="2147483655" r:id="rId9"/>
-    <p:sldLayoutId id="2147483656" r:id="rId10"/>
-    <p:sldLayoutId id="2147483657" r:id="rId11"/>
-    <p:sldLayoutId id="2147483658" r:id="rId12"/>
-    <p:sldLayoutId id="2147483659" r:id="rId13"/>
-    <p:sldLayoutId id="2147483660" r:id="rId14"/>
+    <p:sldLayoutId id="2147483649" r:id="rId1"/>
+    <p:sldLayoutId id="2147483651" r:id="rId2"/>
+    <p:sldLayoutId id="2147483652" r:id="rId3"/>
+    <p:sldLayoutId id="2147483653" r:id="rId4"/>
+    <p:sldLayoutId id="2147483654" r:id="rId5"/>
+    <p:sldLayoutId id="2147483655" r:id="rId6"/>
+    <p:sldLayoutId id="2147483656" r:id="rId7"/>
+    <p:sldLayoutId id="2147483657" r:id="rId8"/>
+    <p:sldLayoutId id="2147483658" r:id="rId9"/>
+    <p:sldLayoutId id="2147483659" r:id="rId10"/>
+    <p:sldLayoutId id="2147483660" r:id="rId11"/>
   </p:sldLayoutIdLst>
-  <p:transition spd="med" advClick="1"/>
+  <p:transition xmlns:p14="http://schemas.microsoft.com/office/powerpoint/2010/main" spd="med"/>
   <p:txStyles>
     <p:titleStyle>
       <a:lvl1pPr algn="ctr" defTabSz="584200">
@@ -2378,7 +2065,7 @@
 </file>
 
 <file path=ppt/slides/slide1.xml><?xml version="1.0" encoding="utf-8"?>
-<p:sld xmlns:a="http://schemas.openxmlformats.org/drawingml/2006/main" xmlns:r="http://schemas.openxmlformats.org/officeDocument/2006/relationships" xmlns:p="http://schemas.openxmlformats.org/presentationml/2006/main" showMasterSp="1" showMasterPhAnim="1">
+<p:sld xmlns:a="http://schemas.openxmlformats.org/drawingml/2006/main" xmlns:r="http://schemas.openxmlformats.org/officeDocument/2006/relationships" xmlns:p="http://schemas.openxmlformats.org/presentationml/2006/main">
   <p:cSld>
     <p:spTree>
       <p:nvGrpSpPr>
@@ -2397,7 +2084,9 @@
       <p:sp>
         <p:nvSpPr>
           <p:cNvPr id="32" name="Shape 32"/>
-          <p:cNvSpPr/>
+          <p:cNvSpPr>
+            <a:spLocks noGrp="1"/>
+          </p:cNvSpPr>
           <p:nvPr>
             <p:ph type="title"/>
           </p:nvPr>
@@ -2434,12 +2123,156 @@
   <p:clrMapOvr>
     <a:masterClrMapping/>
   </p:clrMapOvr>
-  <p:transition spd="med" advClick="1"/>
+  <p:transition xmlns:p14="http://schemas.microsoft.com/office/powerpoint/2010/main" spd="med"/>
 </p:sld>
 </file>
 
 <file path=ppt/slides/slide10.xml><?xml version="1.0" encoding="utf-8"?>
-<p:sld xmlns:a="http://schemas.openxmlformats.org/drawingml/2006/main" xmlns:r="http://schemas.openxmlformats.org/officeDocument/2006/relationships" xmlns:p="http://schemas.openxmlformats.org/presentationml/2006/main" showMasterSp="1" showMasterPhAnim="1">
+<p:sld xmlns:a="http://schemas.openxmlformats.org/drawingml/2006/main" xmlns:r="http://schemas.openxmlformats.org/officeDocument/2006/relationships" xmlns:p="http://schemas.openxmlformats.org/presentationml/2006/main">
+  <p:cSld>
+    <p:spTree>
+      <p:nvGrpSpPr>
+        <p:cNvPr id="1" name=""/>
+        <p:cNvGrpSpPr/>
+        <p:nvPr/>
+      </p:nvGrpSpPr>
+      <p:grpSpPr>
+        <a:xfrm>
+          <a:off x="0" y="0"/>
+          <a:ext cx="0" cy="0"/>
+          <a:chOff x="0" y="0"/>
+          <a:chExt cx="0" cy="0"/>
+        </a:xfrm>
+      </p:grpSpPr>
+      <p:sp>
+        <p:nvSpPr>
+          <p:cNvPr id="48" name="Shape 48"/>
+          <p:cNvSpPr>
+            <a:spLocks noGrp="1"/>
+          </p:cNvSpPr>
+          <p:nvPr>
+            <p:ph type="title"/>
+          </p:nvPr>
+        </p:nvSpPr>
+        <p:spPr>
+          <a:prstGeom prst="rect">
+            <a:avLst/>
+          </a:prstGeom>
+        </p:spPr>
+        <p:txBody>
+          <a:bodyPr>
+            <a:normAutofit/>
+          </a:bodyPr>
+          <a:lstStyle/>
+          <a:p>
+            <a:pPr lvl="0">
+              <a:defRPr sz="1800">
+                <a:solidFill>
+                  <a:srgbClr val="000000"/>
+                </a:solidFill>
+              </a:defRPr>
+            </a:pPr>
+            <a:r>
+              <a:rPr lang="en-US" sz="6000" dirty="0">
+                <a:solidFill>
+                  <a:schemeClr val="tx1"/>
+                </a:solidFill>
+              </a:rPr>
+              <a:t>Bayesian inference</a:t>
+            </a:r>
+            <a:endParaRPr sz="6000" dirty="0">
+              <a:solidFill>
+                <a:schemeClr val="tx1"/>
+              </a:solidFill>
+            </a:endParaRPr>
+          </a:p>
+        </p:txBody>
+      </p:sp>
+    </p:spTree>
+  </p:cSld>
+  <p:clrMapOvr>
+    <a:masterClrMapping/>
+  </p:clrMapOvr>
+  <p:transition xmlns:p14="http://schemas.microsoft.com/office/powerpoint/2010/main" spd="med"/>
+</p:sld>
+</file>
+
+<file path=ppt/slides/slide11.xml><?xml version="1.0" encoding="utf-8"?>
+<p:sld xmlns:a="http://schemas.openxmlformats.org/drawingml/2006/main" xmlns:r="http://schemas.openxmlformats.org/officeDocument/2006/relationships" xmlns:p="http://schemas.openxmlformats.org/presentationml/2006/main">
+  <p:cSld>
+    <p:spTree>
+      <p:nvGrpSpPr>
+        <p:cNvPr id="1" name=""/>
+        <p:cNvGrpSpPr/>
+        <p:nvPr/>
+      </p:nvGrpSpPr>
+      <p:grpSpPr>
+        <a:xfrm>
+          <a:off x="0" y="0"/>
+          <a:ext cx="0" cy="0"/>
+          <a:chOff x="0" y="0"/>
+          <a:chExt cx="0" cy="0"/>
+        </a:xfrm>
+      </p:grpSpPr>
+      <p:sp>
+        <p:nvSpPr>
+          <p:cNvPr id="50" name="Shape 50"/>
+          <p:cNvSpPr>
+            <a:spLocks noGrp="1"/>
+          </p:cNvSpPr>
+          <p:nvPr>
+            <p:ph type="title"/>
+          </p:nvPr>
+        </p:nvSpPr>
+        <p:spPr>
+          <a:prstGeom prst="rect">
+            <a:avLst/>
+          </a:prstGeom>
+        </p:spPr>
+        <p:txBody>
+          <a:bodyPr/>
+          <a:lstStyle/>
+          <a:p>
+            <a:pPr lvl="0"/>
+            <a:endParaRPr/>
+          </a:p>
+        </p:txBody>
+      </p:sp>
+      <p:sp>
+        <p:nvSpPr>
+          <p:cNvPr id="51" name="Shape 51"/>
+          <p:cNvSpPr>
+            <a:spLocks noGrp="1"/>
+          </p:cNvSpPr>
+          <p:nvPr>
+            <p:ph type="body" idx="1"/>
+          </p:nvPr>
+        </p:nvSpPr>
+        <p:spPr>
+          <a:prstGeom prst="rect">
+            <a:avLst/>
+          </a:prstGeom>
+        </p:spPr>
+        <p:txBody>
+          <a:bodyPr/>
+          <a:lstStyle/>
+          <a:p>
+            <a:pPr lvl="0"/>
+            <a:endParaRPr/>
+          </a:p>
+        </p:txBody>
+      </p:sp>
+    </p:spTree>
+  </p:cSld>
+  <p:clrMapOvr>
+    <a:masterClrMapping/>
+  </p:clrMapOvr>
+  <p:transition xmlns:p14="http://schemas.microsoft.com/office/powerpoint/2010/main" spd="med"/>
+</p:sld>
+</file>
+
+<file path=ppt/slides/slide12.xml><?xml version="1.0" encoding="utf-8"?>
+<p:sld xmlns:a="http://schemas.openxmlformats.org/drawingml/2006/main" xmlns:r="http://schemas.openxmlformats.org/officeDocument/2006/relationships" xmlns:p="http://schemas.openxmlformats.org/presentationml/2006/main">
   <p:cSld>
     <p:spTree>
       <p:nvGrpSpPr>
@@ -2458,7 +2291,9 @@
       <p:sp>
         <p:nvSpPr>
           <p:cNvPr id="53" name="Shape 53"/>
-          <p:cNvSpPr/>
+          <p:cNvSpPr>
+            <a:spLocks noGrp="1"/>
+          </p:cNvSpPr>
           <p:nvPr>
             <p:ph type="title"/>
           </p:nvPr>
@@ -2495,12 +2330,12 @@
   <p:clrMapOvr>
     <a:masterClrMapping/>
   </p:clrMapOvr>
-  <p:transition spd="med" advClick="1"/>
+  <p:transition xmlns:p14="http://schemas.microsoft.com/office/powerpoint/2010/main" spd="med"/>
 </p:sld>
 </file>
 
 <file path=ppt/slides/slide2.xml><?xml version="1.0" encoding="utf-8"?>
-<p:sld xmlns:a="http://schemas.openxmlformats.org/drawingml/2006/main" xmlns:r="http://schemas.openxmlformats.org/officeDocument/2006/relationships" xmlns:p="http://schemas.openxmlformats.org/presentationml/2006/main" showMasterSp="1" showMasterPhAnim="1">
+<p:sld xmlns:a="http://schemas.openxmlformats.org/drawingml/2006/main" xmlns:r="http://schemas.openxmlformats.org/officeDocument/2006/relationships" xmlns:p="http://schemas.openxmlformats.org/presentationml/2006/main">
   <p:cSld>
     <p:spTree>
       <p:nvGrpSpPr>
@@ -2519,7 +2354,9 @@
       <p:sp>
         <p:nvSpPr>
           <p:cNvPr id="34" name="Shape 34"/>
-          <p:cNvSpPr/>
+          <p:cNvSpPr>
+            <a:spLocks noGrp="1"/>
+          </p:cNvSpPr>
           <p:nvPr>
             <p:ph type="title"/>
           </p:nvPr>
@@ -2556,12 +2393,78 @@
   <p:clrMapOvr>
     <a:masterClrMapping/>
   </p:clrMapOvr>
-  <p:transition spd="med" advClick="1"/>
+  <p:transition xmlns:p14="http://schemas.microsoft.com/office/powerpoint/2010/main" spd="med"/>
 </p:sld>
 </file>
 
 <file path=ppt/slides/slide3.xml><?xml version="1.0" encoding="utf-8"?>
-<p:sld xmlns:a="http://schemas.openxmlformats.org/drawingml/2006/main" xmlns:r="http://schemas.openxmlformats.org/officeDocument/2006/relationships" xmlns:p="http://schemas.openxmlformats.org/presentationml/2006/main" showMasterSp="1" showMasterPhAnim="1">
+<p:sld xmlns:a="http://schemas.openxmlformats.org/drawingml/2006/main" xmlns:r="http://schemas.openxmlformats.org/officeDocument/2006/relationships" xmlns:p="http://schemas.openxmlformats.org/presentationml/2006/main">
+  <p:cSld>
+    <p:spTree>
+      <p:nvGrpSpPr>
+        <p:cNvPr id="1" name=""/>
+        <p:cNvGrpSpPr/>
+        <p:nvPr/>
+      </p:nvGrpSpPr>
+      <p:grpSpPr>
+        <a:xfrm>
+          <a:off x="0" y="0"/>
+          <a:ext cx="0" cy="0"/>
+          <a:chOff x="0" y="0"/>
+          <a:chExt cx="0" cy="0"/>
+        </a:xfrm>
+      </p:grpSpPr>
+      <p:sp>
+        <p:nvSpPr>
+          <p:cNvPr id="2" name="文本占位符 1"/>
+          <p:cNvSpPr>
+            <a:spLocks noGrp="1"/>
+          </p:cNvSpPr>
+          <p:nvPr>
+            <p:ph type="body" idx="1"/>
+          </p:nvPr>
+        </p:nvSpPr>
+        <p:spPr/>
+        <p:txBody>
+          <a:bodyPr/>
+          <a:lstStyle/>
+          <a:p>
+            <a:r>
+              <a:rPr kumimoji="1" lang="en-US" altLang="zh-CN" dirty="0"/>
+              <a:t>In 2006, the online movie company Netflix held the first "Netflix Prize" competition to find a program to better predict user preferences and improve the accuracy on its existing </a:t>
+            </a:r>
+            <a:r>
+              <a:rPr kumimoji="1" lang="en-US" altLang="zh-CN" dirty="0" err="1"/>
+              <a:t>Cinematch</a:t>
+            </a:r>
+            <a:r>
+              <a:rPr kumimoji="1" lang="en-US" altLang="zh-CN" dirty="0"/>
+              <a:t> movie recommendation algorithm by at least 10%. A joint team made up of researchers from AT&amp;T Labs-Research in collaboration with the teams Big Chaos and Pragmatic Theory built an ensemble model to win the Grand Prize in 2009 for $1 million</a:t>
+            </a:r>
+            <a:r>
+              <a:rPr kumimoji="1" lang="en-US" altLang="zh-CN" dirty="0" smtClean="0"/>
+              <a:t>.</a:t>
+            </a:r>
+            <a:endParaRPr kumimoji="1" lang="zh-CN" altLang="en-US" dirty="0"/>
+          </a:p>
+        </p:txBody>
+      </p:sp>
+    </p:spTree>
+    <p:extLst>
+      <p:ext uri="{BB962C8B-B14F-4D97-AF65-F5344CB8AC3E}">
+        <p14:creationId xmlns:p14="http://schemas.microsoft.com/office/powerpoint/2010/main" val="4242329543"/>
+      </p:ext>
+    </p:extLst>
+  </p:cSld>
+  <p:clrMapOvr>
+    <a:masterClrMapping/>
+  </p:clrMapOvr>
+  <p:transition xmlns:p14="http://schemas.microsoft.com/office/powerpoint/2010/main" spd="med"/>
+</p:sld>
+</file>
+
+<file path=ppt/slides/slide4.xml><?xml version="1.0" encoding="utf-8"?>
+<p:sld xmlns:a="http://schemas.openxmlformats.org/drawingml/2006/main" xmlns:r="http://schemas.openxmlformats.org/officeDocument/2006/relationships" xmlns:p="http://schemas.openxmlformats.org/presentationml/2006/main">
   <p:cSld>
     <p:spTree>
       <p:nvGrpSpPr>
@@ -2580,7 +2483,9 @@
       <p:sp>
         <p:nvSpPr>
           <p:cNvPr id="36" name="Shape 36"/>
-          <p:cNvSpPr/>
+          <p:cNvSpPr>
+            <a:spLocks noGrp="1"/>
+          </p:cNvSpPr>
           <p:nvPr>
             <p:ph type="title"/>
           </p:nvPr>
@@ -2615,7 +2520,9 @@
       <p:sp>
         <p:nvSpPr>
           <p:cNvPr id="37" name="Shape 37"/>
-          <p:cNvSpPr/>
+          <p:cNvSpPr>
+            <a:spLocks noGrp="1"/>
+          </p:cNvSpPr>
           <p:nvPr>
             <p:ph type="body" idx="1"/>
           </p:nvPr>
@@ -2652,18 +2559,170 @@
   <p:clrMapOvr>
     <a:masterClrMapping/>
   </p:clrMapOvr>
-  <p:transition spd="med" advClick="1"/>
+  <p:transition xmlns:p14="http://schemas.microsoft.com/office/powerpoint/2010/main" spd="med"/>
 </p:sld>
 </file>
 
-<file path=ppt/slides/slide4.xml><?xml version="1.0" encoding="utf-8"?>
-<p:sld xmlns:a="http://schemas.openxmlformats.org/drawingml/2006/main" xmlns:r="http://schemas.openxmlformats.org/officeDocument/2006/relationships" xmlns:p="http://schemas.openxmlformats.org/presentationml/2006/main" showMasterSp="1" showMasterPhAnim="1">
+<file path=ppt/slides/slide5.xml><?xml version="1.0" encoding="utf-8"?>
+<p:sld xmlns:a="http://schemas.openxmlformats.org/drawingml/2006/main" xmlns:r="http://schemas.openxmlformats.org/officeDocument/2006/relationships" xmlns:p="http://schemas.openxmlformats.org/presentationml/2006/main">
+  <p:cSld>
+    <p:spTree>
+      <p:nvGrpSpPr>
+        <p:cNvPr id="1" name=""/>
+        <p:cNvGrpSpPr/>
+        <p:nvPr/>
+      </p:nvGrpSpPr>
+      <p:grpSpPr>
+        <a:xfrm>
+          <a:off x="0" y="0"/>
+          <a:ext cx="0" cy="0"/>
+          <a:chOff x="0" y="0"/>
+          <a:chExt cx="0" cy="0"/>
+        </a:xfrm>
+      </p:grpSpPr>
+      <p:sp>
+        <p:nvSpPr>
+          <p:cNvPr id="3" name="文本框 2"/>
+          <p:cNvSpPr txBox="1"/>
+          <p:nvPr/>
+        </p:nvSpPr>
+        <p:spPr>
+          <a:xfrm>
+            <a:off x="220889" y="1191984"/>
+            <a:ext cx="12480190" cy="6535123"/>
+          </a:xfrm>
+          <a:prstGeom prst="rect">
+            <a:avLst/>
+          </a:prstGeom>
+          <a:noFill/>
+          <a:ln w="12700" cap="flat">
+            <a:noFill/>
+            <a:miter lim="400000"/>
+          </a:ln>
+          <a:effectLst/>
+        </p:spPr>
+        <p:style>
+          <a:lnRef idx="0">
+            <a:scrgbClr r="0" g="0" b="0"/>
+          </a:lnRef>
+          <a:fillRef idx="0">
+            <a:scrgbClr r="0" g="0" b="0"/>
+          </a:fillRef>
+          <a:effectRef idx="0">
+            <a:scrgbClr r="0" g="0" b="0"/>
+          </a:effectRef>
+          <a:fontRef idx="none"/>
+        </p:style>
+        <p:txBody>
+          <a:bodyPr rot="0" spcFirstLastPara="1" vertOverflow="overflow" horzOverflow="overflow" vert="horz" wrap="square" lIns="50800" tIns="50800" rIns="50800" bIns="50800" numCol="1" spcCol="38100" rtlCol="0" anchor="ctr">
+            <a:spAutoFit/>
+          </a:bodyPr>
+          <a:lstStyle/>
+          <a:p>
+            <a:pPr algn="l" rtl="0" latinLnBrk="1" hangingPunct="0"/>
+            <a:r>
+              <a:rPr lang="zh-CN" altLang="en-US" dirty="0"/>
+              <a:t>关联规则的目的在于在一个数据集中找出项之间的关系，也称之为购物蓝分析 </a:t>
+            </a:r>
+            <a:r>
+              <a:rPr lang="en-US" altLang="zh-CN" dirty="0"/>
+              <a:t>(market basket analysis)</a:t>
+            </a:r>
+            <a:r>
+              <a:rPr lang="zh-CN" altLang="en-US" dirty="0"/>
+              <a:t>。例如，购买鞋的顾客，有</a:t>
+            </a:r>
+            <a:r>
+              <a:rPr lang="en-US" altLang="zh-CN" dirty="0"/>
+              <a:t>10%</a:t>
+            </a:r>
+            <a:r>
+              <a:rPr lang="zh-CN" altLang="en-US" dirty="0"/>
+              <a:t>的可能也会买袜子，</a:t>
+            </a:r>
+            <a:r>
+              <a:rPr lang="en-US" altLang="zh-CN" dirty="0"/>
+              <a:t>60%</a:t>
+            </a:r>
+            <a:r>
+              <a:rPr lang="zh-CN" altLang="en-US" dirty="0"/>
+              <a:t>的买面包的顾客，也会买牛奶。这其中最有名的例子就</a:t>
+            </a:r>
+            <a:r>
+              <a:rPr lang="zh-CN" altLang="en-US" dirty="0" smtClean="0"/>
+              <a:t>是</a:t>
+            </a:r>
+            <a:r>
+              <a:rPr lang="en-US" altLang="zh-CN" dirty="0" smtClean="0"/>
+              <a:t>"</a:t>
+            </a:r>
+            <a:r>
+              <a:rPr lang="zh-CN" altLang="en-US" dirty="0" smtClean="0"/>
+              <a:t>尿布和啤酒</a:t>
+            </a:r>
+            <a:r>
+              <a:rPr lang="en-US" altLang="zh-CN" dirty="0" smtClean="0"/>
+              <a:t>"</a:t>
+            </a:r>
+            <a:r>
+              <a:rPr lang="zh-CN" altLang="en-US" dirty="0" smtClean="0"/>
+              <a:t>的故事</a:t>
+            </a:r>
+            <a:r>
+              <a:rPr lang="zh-CN" altLang="en-US" dirty="0"/>
+              <a:t>了。</a:t>
+            </a:r>
+          </a:p>
+          <a:p>
+            <a:pPr rtl="0" latinLnBrk="1" hangingPunct="0"/>
+            <a:endParaRPr lang="zh-CN" altLang="en-US" dirty="0"/>
+          </a:p>
+          <a:p>
+            <a:pPr algn="l" rtl="0" latinLnBrk="1" hangingPunct="0"/>
+            <a:r>
+              <a:rPr lang="zh-CN" altLang="en-US" dirty="0"/>
+              <a:t>关联规则的应用场合。在商业销售上，关联规则可用于交叉销售，以得到更大的收入；在保险业务方面，如果出现了不常见的索赔要求组合，则可能为欺诈，需要作进一步的调查。在医疗方面，可找出可能的治疗组合；在银行方面，对顾客进行分析，可以推荐感兴趣的服务等等。</a:t>
+            </a:r>
+            <a:endParaRPr kumimoji="0" lang="zh-CN" altLang="en-US" sz="3800" b="0" i="0" u="none" strike="noStrike" cap="none" spc="0" normalizeH="0" baseline="0" dirty="0">
+              <a:ln>
+                <a:noFill/>
+              </a:ln>
+              <a:solidFill>
+                <a:srgbClr val="FFFFFF"/>
+              </a:solidFill>
+              <a:effectLst/>
+              <a:uFillTx/>
+              <a:latin typeface="+mn-lt"/>
+              <a:ea typeface="+mn-ea"/>
+              <a:cs typeface="+mn-cs"/>
+              <a:sym typeface="Helvetica Light"/>
+            </a:endParaRPr>
+          </a:p>
+        </p:txBody>
+      </p:sp>
+    </p:spTree>
+    <p:extLst>
+      <p:ext uri="{BB962C8B-B14F-4D97-AF65-F5344CB8AC3E}">
+        <p14:creationId xmlns:p14="http://schemas.microsoft.com/office/powerpoint/2010/main" val="2044613212"/>
+      </p:ext>
+    </p:extLst>
+  </p:cSld>
+  <p:clrMapOvr>
+    <a:masterClrMapping/>
+  </p:clrMapOvr>
+  <p:transition xmlns:p14="http://schemas.microsoft.com/office/powerpoint/2010/main" spd="med"/>
+</p:sld>
+</file>
+
+<file path=ppt/slides/slide6.xml><?xml version="1.0" encoding="utf-8"?>
+<p:sld xmlns:a="http://schemas.openxmlformats.org/drawingml/2006/main" xmlns:r="http://schemas.openxmlformats.org/officeDocument/2006/relationships" xmlns:p="http://schemas.openxmlformats.org/presentationml/2006/main">
   <p:cSld>
     <p:bg>
       <p:bgPr>
         <a:solidFill>
           <a:srgbClr val="FFFFFF"/>
         </a:solidFill>
+        <a:effectLst/>
       </p:bgPr>
     </p:bg>
     <p:spTree>
@@ -2712,12 +2771,12 @@
   <p:clrMapOvr>
     <a:masterClrMapping/>
   </p:clrMapOvr>
-  <p:transition spd="med" advClick="1"/>
+  <p:transition xmlns:p14="http://schemas.microsoft.com/office/powerpoint/2010/main" spd="med"/>
 </p:sld>
 </file>
 
-<file path=ppt/slides/slide5.xml><?xml version="1.0" encoding="utf-8"?>
-<p:sld xmlns:a="http://schemas.openxmlformats.org/drawingml/2006/main" xmlns:r="http://schemas.openxmlformats.org/officeDocument/2006/relationships" xmlns:p="http://schemas.openxmlformats.org/presentationml/2006/main" showMasterSp="1" showMasterPhAnim="1">
+<file path=ppt/slides/slide7.xml><?xml version="1.0" encoding="utf-8"?>
+<p:sld xmlns:a="http://schemas.openxmlformats.org/drawingml/2006/main" xmlns:r="http://schemas.openxmlformats.org/officeDocument/2006/relationships" xmlns:p="http://schemas.openxmlformats.org/presentationml/2006/main">
   <p:cSld>
     <p:spTree>
       <p:nvGrpSpPr>
@@ -2736,7 +2795,9 @@
       <p:sp>
         <p:nvSpPr>
           <p:cNvPr id="41" name="Shape 41"/>
-          <p:cNvSpPr/>
+          <p:cNvSpPr>
+            <a:spLocks noGrp="1"/>
+          </p:cNvSpPr>
           <p:nvPr>
             <p:ph type="title"/>
           </p:nvPr>
@@ -2773,12 +2834,12 @@
   <p:clrMapOvr>
     <a:masterClrMapping/>
   </p:clrMapOvr>
-  <p:transition spd="med" advClick="1"/>
+  <p:transition xmlns:p14="http://schemas.microsoft.com/office/powerpoint/2010/main" spd="med"/>
 </p:sld>
 </file>
 
-<file path=ppt/slides/slide6.xml><?xml version="1.0" encoding="utf-8"?>
-<p:sld xmlns:a="http://schemas.openxmlformats.org/drawingml/2006/main" xmlns:r="http://schemas.openxmlformats.org/officeDocument/2006/relationships" xmlns:p="http://schemas.openxmlformats.org/presentationml/2006/main" showMasterSp="1" showMasterPhAnim="1">
+<file path=ppt/slides/slide8.xml><?xml version="1.0" encoding="utf-8"?>
+<p:sld xmlns:a="http://schemas.openxmlformats.org/drawingml/2006/main" xmlns:r="http://schemas.openxmlformats.org/officeDocument/2006/relationships" xmlns:p="http://schemas.openxmlformats.org/presentationml/2006/main">
   <p:cSld>
     <p:spTree>
       <p:nvGrpSpPr>
@@ -2797,7 +2858,9 @@
       <p:sp>
         <p:nvSpPr>
           <p:cNvPr id="43" name="Shape 43"/>
-          <p:cNvSpPr/>
+          <p:cNvSpPr>
+            <a:spLocks noGrp="1"/>
+          </p:cNvSpPr>
           <p:nvPr>
             <p:ph type="title"/>
           </p:nvPr>
@@ -2834,12 +2897,12 @@
   <p:clrMapOvr>
     <a:masterClrMapping/>
   </p:clrMapOvr>
-  <p:transition spd="med" advClick="1"/>
+  <p:transition xmlns:p14="http://schemas.microsoft.com/office/powerpoint/2010/main" spd="med"/>
 </p:sld>
 </file>
 
-<file path=ppt/slides/slide7.xml><?xml version="1.0" encoding="utf-8"?>
-<p:sld xmlns:a="http://schemas.openxmlformats.org/drawingml/2006/main" xmlns:r="http://schemas.openxmlformats.org/officeDocument/2006/relationships" xmlns:p="http://schemas.openxmlformats.org/presentationml/2006/main" showMasterSp="1" showMasterPhAnim="1">
+<file path=ppt/slides/slide9.xml><?xml version="1.0" encoding="utf-8"?>
+<p:sld xmlns:a="http://schemas.openxmlformats.org/drawingml/2006/main" xmlns:r="http://schemas.openxmlformats.org/officeDocument/2006/relationships" xmlns:p="http://schemas.openxmlformats.org/presentationml/2006/main">
   <p:cSld>
     <p:spTree>
       <p:nvGrpSpPr>
@@ -2858,7 +2921,9 @@
       <p:sp>
         <p:nvSpPr>
           <p:cNvPr id="45" name="Shape 45"/>
-          <p:cNvSpPr/>
+          <p:cNvSpPr>
+            <a:spLocks noGrp="1"/>
+          </p:cNvSpPr>
           <p:nvPr>
             <p:ph type="title"/>
           </p:nvPr>
@@ -2893,7 +2958,9 @@
       <p:sp>
         <p:nvSpPr>
           <p:cNvPr id="46" name="Shape 46"/>
-          <p:cNvSpPr/>
+          <p:cNvSpPr>
+            <a:spLocks noGrp="1"/>
+          </p:cNvSpPr>
           <p:nvPr>
             <p:ph type="body" idx="1"/>
           </p:nvPr>
@@ -2907,7 +2974,7 @@
           <a:bodyPr/>
           <a:lstStyle/>
           <a:p>
-            <a:pPr lvl="0" marL="347472" indent="-347472" defTabSz="443991">
+            <a:pPr marL="347472" lvl="0" indent="-347472" defTabSz="443991">
               <a:spcBef>
                 <a:spcPts val="3100"/>
               </a:spcBef>
@@ -2925,14 +2992,9 @@
               </a:rPr>
               <a:t>In the computer science field of artificial intelligence, genetic algorithm (GA) is a search heuristic that mimics the process of natural selection. This heuristic (also sometimes called a metaheuristic) is routinely used to generate useful solutions to optimization and search problems. Genetic algorithms belong to the larger class of evolutionary algorithms (EA), which generate solutions to optimization problems using techniques inspired by natural evolution, such as inheritance, mutation, selection, and crossover.</a:t>
             </a:r>
-            <a:endParaRPr sz="2888">
-              <a:solidFill>
-                <a:srgbClr val="FFFFFF"/>
-              </a:solidFill>
-            </a:endParaRPr>
-          </a:p>
-          <a:p>
-            <a:pPr lvl="0" marL="347472" indent="-347472" defTabSz="443991">
+          </a:p>
+          <a:p>
+            <a:pPr marL="347472" lvl="0" indent="-347472" defTabSz="443991">
               <a:spcBef>
                 <a:spcPts val="3100"/>
               </a:spcBef>
@@ -2958,141 +3020,12 @@
   <p:clrMapOvr>
     <a:masterClrMapping/>
   </p:clrMapOvr>
-  <p:transition spd="med" advClick="1"/>
-</p:sld>
-</file>
-
-<file path=ppt/slides/slide8.xml><?xml version="1.0" encoding="utf-8"?>
-<p:sld xmlns:a="http://schemas.openxmlformats.org/drawingml/2006/main" xmlns:r="http://schemas.openxmlformats.org/officeDocument/2006/relationships" xmlns:p="http://schemas.openxmlformats.org/presentationml/2006/main" showMasterSp="1" showMasterPhAnim="1">
-  <p:cSld>
-    <p:spTree>
-      <p:nvGrpSpPr>
-        <p:cNvPr id="1" name=""/>
-        <p:cNvGrpSpPr/>
-        <p:nvPr/>
-      </p:nvGrpSpPr>
-      <p:grpSpPr>
-        <a:xfrm>
-          <a:off x="0" y="0"/>
-          <a:ext cx="0" cy="0"/>
-          <a:chOff x="0" y="0"/>
-          <a:chExt cx="0" cy="0"/>
-        </a:xfrm>
-      </p:grpSpPr>
-      <p:sp>
-        <p:nvSpPr>
-          <p:cNvPr id="48" name="Shape 48"/>
-          <p:cNvSpPr/>
-          <p:nvPr>
-            <p:ph type="title"/>
-          </p:nvPr>
-        </p:nvSpPr>
-        <p:spPr>
-          <a:prstGeom prst="rect">
-            <a:avLst/>
-          </a:prstGeom>
-        </p:spPr>
-        <p:txBody>
-          <a:bodyPr/>
-          <a:lstStyle/>
-          <a:p>
-            <a:pPr lvl="0">
-              <a:defRPr sz="1800">
-                <a:solidFill>
-                  <a:srgbClr val="000000"/>
-                </a:solidFill>
-              </a:defRPr>
-            </a:pPr>
-            <a:r>
-              <a:rPr sz="8000">
-                <a:solidFill>
-                  <a:srgbClr val="FFFFFF"/>
-                </a:solidFill>
-              </a:rPr>
-              <a:t>回归分析</a:t>
-            </a:r>
-          </a:p>
-        </p:txBody>
-      </p:sp>
-    </p:spTree>
-  </p:cSld>
-  <p:clrMapOvr>
-    <a:masterClrMapping/>
-  </p:clrMapOvr>
-  <p:transition spd="med" advClick="1"/>
-</p:sld>
-</file>
-
-<file path=ppt/slides/slide9.xml><?xml version="1.0" encoding="utf-8"?>
-<p:sld xmlns:a="http://schemas.openxmlformats.org/drawingml/2006/main" xmlns:r="http://schemas.openxmlformats.org/officeDocument/2006/relationships" xmlns:p="http://schemas.openxmlformats.org/presentationml/2006/main" showMasterSp="1" showMasterPhAnim="1">
-  <p:cSld>
-    <p:spTree>
-      <p:nvGrpSpPr>
-        <p:cNvPr id="1" name=""/>
-        <p:cNvGrpSpPr/>
-        <p:nvPr/>
-      </p:nvGrpSpPr>
-      <p:grpSpPr>
-        <a:xfrm>
-          <a:off x="0" y="0"/>
-          <a:ext cx="0" cy="0"/>
-          <a:chOff x="0" y="0"/>
-          <a:chExt cx="0" cy="0"/>
-        </a:xfrm>
-      </p:grpSpPr>
-      <p:sp>
-        <p:nvSpPr>
-          <p:cNvPr id="50" name="Shape 50"/>
-          <p:cNvSpPr/>
-          <p:nvPr>
-            <p:ph type="title"/>
-          </p:nvPr>
-        </p:nvSpPr>
-        <p:spPr>
-          <a:prstGeom prst="rect">
-            <a:avLst/>
-          </a:prstGeom>
-        </p:spPr>
-        <p:txBody>
-          <a:bodyPr/>
-          <a:lstStyle/>
-          <a:p>
-            <a:pPr lvl="0"/>
-          </a:p>
-        </p:txBody>
-      </p:sp>
-      <p:sp>
-        <p:nvSpPr>
-          <p:cNvPr id="51" name="Shape 51"/>
-          <p:cNvSpPr/>
-          <p:nvPr>
-            <p:ph type="body" idx="1"/>
-          </p:nvPr>
-        </p:nvSpPr>
-        <p:spPr>
-          <a:prstGeom prst="rect">
-            <a:avLst/>
-          </a:prstGeom>
-        </p:spPr>
-        <p:txBody>
-          <a:bodyPr/>
-          <a:lstStyle/>
-          <a:p>
-            <a:pPr lvl="0"/>
-          </a:p>
-        </p:txBody>
-      </p:sp>
-    </p:spTree>
-  </p:cSld>
-  <p:clrMapOvr>
-    <a:masterClrMapping/>
-  </p:clrMapOvr>
-  <p:transition spd="med" advClick="1"/>
+  <p:transition xmlns:p14="http://schemas.microsoft.com/office/powerpoint/2010/main" spd="med"/>
 </p:sld>
 </file>
 
 <file path=ppt/theme/theme1.xml><?xml version="1.0" encoding="utf-8"?>
-<a:theme xmlns:a="http://schemas.openxmlformats.org/drawingml/2006/main" xmlns:r="http://schemas.openxmlformats.org/officeDocument/2006/relationships" name="Gradient">
+<a:theme xmlns:a="http://schemas.openxmlformats.org/drawingml/2006/main" name="Gradient">
   <a:themeElements>
     <a:clrScheme name="Gradient">
       <a:dk1>
@@ -3218,7 +3151,7 @@
       <a:effectStyleLst>
         <a:effectStyle>
           <a:effectLst>
-            <a:outerShdw sx="100000" sy="100000" kx="0" ky="0" algn="b" rotWithShape="0" blurRad="76200" dist="0" dir="18900000">
+            <a:outerShdw blurRad="76200" dir="18900000" rotWithShape="0">
               <a:srgbClr val="000000">
                 <a:alpha val="80000"/>
               </a:srgbClr>
@@ -3227,7 +3160,7 @@
         </a:effectStyle>
         <a:effectStyle>
           <a:effectLst>
-            <a:outerShdw sx="100000" sy="100000" kx="0" ky="0" algn="b" rotWithShape="0" blurRad="76200" dist="0" dir="18900000">
+            <a:outerShdw blurRad="76200" dir="18900000" rotWithShape="0">
               <a:srgbClr val="000000">
                 <a:alpha val="80000"/>
               </a:srgbClr>
@@ -3236,7 +3169,7 @@
         </a:effectStyle>
         <a:effectStyle>
           <a:effectLst>
-            <a:outerShdw sx="100000" sy="100000" kx="0" ky="0" algn="b" rotWithShape="0" blurRad="76200" dist="0" dir="18900000">
+            <a:outerShdw blurRad="76200" dir="18900000" rotWithShape="0">
               <a:srgbClr val="000000">
                 <a:alpha val="80000"/>
               </a:srgbClr>
@@ -3315,14 +3248,14 @@
           <a:miter lim="400000"/>
         </a:ln>
         <a:effectLst>
-          <a:outerShdw sx="100000" sy="100000" kx="0" ky="0" algn="b" rotWithShape="0" blurRad="76200" dist="0" dir="18900000">
+          <a:outerShdw blurRad="76200" dir="18900000" rotWithShape="0">
             <a:srgbClr val="000000">
               <a:alpha val="80000"/>
             </a:srgbClr>
           </a:outerShdw>
         </a:effectLst>
       </a:spPr>
-      <a:bodyPr rot="0" spcFirstLastPara="1" vertOverflow="overflow" horzOverflow="overflow" vert="horz" wrap="square" lIns="50800" tIns="50800" rIns="50800" bIns="50800" numCol="1" spcCol="38100" rtlCol="0" anchor="ctr" upright="0">
+      <a:bodyPr rot="0" spcFirstLastPara="1" vertOverflow="overflow" horzOverflow="overflow" vert="horz" wrap="square" lIns="50800" tIns="50800" rIns="50800" bIns="50800" numCol="1" spcCol="38100" rtlCol="0" anchor="ctr">
         <a:spAutoFit/>
       </a:bodyPr>
       <a:lstStyle>
@@ -3341,7 +3274,7 @@
           <a:buFontTx/>
           <a:buNone/>
           <a:tabLst/>
-          <a:defRPr b="0" baseline="0" cap="none" i="0" spc="0" strike="noStrike" sz="2400" u="none" kumimoji="0" normalizeH="0">
+          <a:defRPr kumimoji="0" sz="2400" b="0" i="0" u="none" strike="noStrike" cap="none" spc="0" normalizeH="0" baseline="0">
             <a:ln>
               <a:noFill/>
             </a:ln>
@@ -3349,7 +3282,7 @@
               <a:srgbClr val="FFFFFF"/>
             </a:solidFill>
             <a:effectLst>
-              <a:outerShdw sx="100000" sy="100000" kx="0" ky="0" algn="b" rotWithShape="0" blurRad="25400" dist="23998" dir="2700000">
+              <a:outerShdw blurRad="25400" dist="23998" dir="2700000" rotWithShape="0">
                 <a:srgbClr val="000000">
                   <a:alpha val="31034"/>
                 </a:srgbClr>
@@ -3377,7 +3310,7 @@
           <a:buFontTx/>
           <a:buNone/>
           <a:tabLst/>
-          <a:defRPr b="0" baseline="0" cap="none" i="0" spc="0" strike="noStrike" sz="1800" u="none" kumimoji="0" normalizeH="0">
+          <a:defRPr kumimoji="0" sz="1800" b="0" i="0" u="none" strike="noStrike" cap="none" spc="0" normalizeH="0" baseline="0">
             <a:ln>
               <a:noFill/>
             </a:ln>
@@ -3403,7 +3336,7 @@
           <a:buFontTx/>
           <a:buNone/>
           <a:tabLst/>
-          <a:defRPr b="0" baseline="0" cap="none" i="0" spc="0" strike="noStrike" sz="1800" u="none" kumimoji="0" normalizeH="0">
+          <a:defRPr kumimoji="0" sz="1800" b="0" i="0" u="none" strike="noStrike" cap="none" spc="0" normalizeH="0" baseline="0">
             <a:ln>
               <a:noFill/>
             </a:ln>
@@ -3429,7 +3362,7 @@
           <a:buFontTx/>
           <a:buNone/>
           <a:tabLst/>
-          <a:defRPr b="0" baseline="0" cap="none" i="0" spc="0" strike="noStrike" sz="1800" u="none" kumimoji="0" normalizeH="0">
+          <a:defRPr kumimoji="0" sz="1800" b="0" i="0" u="none" strike="noStrike" cap="none" spc="0" normalizeH="0" baseline="0">
             <a:ln>
               <a:noFill/>
             </a:ln>
@@ -3455,7 +3388,7 @@
           <a:buFontTx/>
           <a:buNone/>
           <a:tabLst/>
-          <a:defRPr b="0" baseline="0" cap="none" i="0" spc="0" strike="noStrike" sz="1800" u="none" kumimoji="0" normalizeH="0">
+          <a:defRPr kumimoji="0" sz="1800" b="0" i="0" u="none" strike="noStrike" cap="none" spc="0" normalizeH="0" baseline="0">
             <a:ln>
               <a:noFill/>
             </a:ln>
@@ -3481,7 +3414,7 @@
           <a:buFontTx/>
           <a:buNone/>
           <a:tabLst/>
-          <a:defRPr b="0" baseline="0" cap="none" i="0" spc="0" strike="noStrike" sz="1800" u="none" kumimoji="0" normalizeH="0">
+          <a:defRPr kumimoji="0" sz="1800" b="0" i="0" u="none" strike="noStrike" cap="none" spc="0" normalizeH="0" baseline="0">
             <a:ln>
               <a:noFill/>
             </a:ln>
@@ -3507,7 +3440,7 @@
           <a:buFontTx/>
           <a:buNone/>
           <a:tabLst/>
-          <a:defRPr b="0" baseline="0" cap="none" i="0" spc="0" strike="noStrike" sz="1800" u="none" kumimoji="0" normalizeH="0">
+          <a:defRPr kumimoji="0" sz="1800" b="0" i="0" u="none" strike="noStrike" cap="none" spc="0" normalizeH="0" baseline="0">
             <a:ln>
               <a:noFill/>
             </a:ln>
@@ -3533,7 +3466,7 @@
           <a:buFontTx/>
           <a:buNone/>
           <a:tabLst/>
-          <a:defRPr b="0" baseline="0" cap="none" i="0" spc="0" strike="noStrike" sz="1800" u="none" kumimoji="0" normalizeH="0">
+          <a:defRPr kumimoji="0" sz="1800" b="0" i="0" u="none" strike="noStrike" cap="none" spc="0" normalizeH="0" baseline="0">
             <a:ln>
               <a:noFill/>
             </a:ln>
@@ -3559,7 +3492,7 @@
           <a:buFontTx/>
           <a:buNone/>
           <a:tabLst/>
-          <a:defRPr b="0" baseline="0" cap="none" i="0" spc="0" strike="noStrike" sz="1800" u="none" kumimoji="0" normalizeH="0">
+          <a:defRPr kumimoji="0" sz="1800" b="0" i="0" u="none" strike="noStrike" cap="none" spc="0" normalizeH="0" baseline="0">
             <a:ln>
               <a:noFill/>
             </a:ln>
@@ -3585,7 +3518,7 @@
           <a:buFontTx/>
           <a:buNone/>
           <a:tabLst/>
-          <a:defRPr b="0" baseline="0" cap="none" i="0" spc="0" strike="noStrike" sz="1800" u="none" kumimoji="0" normalizeH="0">
+          <a:defRPr kumimoji="0" sz="1800" b="0" i="0" u="none" strike="noStrike" cap="none" spc="0" normalizeH="0" baseline="0">
             <a:ln>
               <a:noFill/>
             </a:ln>
@@ -3598,9 +3531,15 @@
         </a:lvl9pPr>
       </a:lstStyle>
       <a:style>
-        <a:lnRef idx="0"/>
-        <a:fillRef idx="0"/>
-        <a:effectRef idx="0"/>
+        <a:lnRef idx="0">
+          <a:scrgbClr r="0" g="0" b="0"/>
+        </a:lnRef>
+        <a:fillRef idx="0">
+          <a:scrgbClr r="0" g="0" b="0"/>
+        </a:fillRef>
+        <a:effectRef idx="0">
+          <a:scrgbClr r="0" g="0" b="0"/>
+        </a:effectRef>
         <a:fontRef idx="none"/>
       </a:style>
     </a:spDef>
@@ -3616,7 +3555,7 @@
         </a:ln>
         <a:effectLst/>
       </a:spPr>
-      <a:bodyPr rot="0" spcFirstLastPara="1" vertOverflow="overflow" horzOverflow="overflow" vert="horz" wrap="square" lIns="91439" tIns="45719" rIns="91439" bIns="45719" numCol="1" spcCol="38100" rtlCol="0" anchor="t" upright="0">
+      <a:bodyPr rot="0" spcFirstLastPara="1" vertOverflow="overflow" horzOverflow="overflow" vert="horz" wrap="square" lIns="91439" tIns="45719" rIns="91439" bIns="45719" numCol="1" spcCol="38100" rtlCol="0" anchor="t">
         <a:noAutofit/>
       </a:bodyPr>
       <a:lstStyle>
@@ -3635,7 +3574,7 @@
           <a:buFontTx/>
           <a:buNone/>
           <a:tabLst/>
-          <a:defRPr b="0" baseline="0" cap="none" i="0" spc="0" strike="noStrike" sz="1800" u="none" kumimoji="0" normalizeH="0">
+          <a:defRPr kumimoji="0" sz="1800" b="0" i="0" u="none" strike="noStrike" cap="none" spc="0" normalizeH="0" baseline="0">
             <a:ln>
               <a:noFill/>
             </a:ln>
@@ -3661,7 +3600,7 @@
           <a:buFontTx/>
           <a:buNone/>
           <a:tabLst/>
-          <a:defRPr b="0" baseline="0" cap="none" i="0" spc="0" strike="noStrike" sz="1800" u="none" kumimoji="0" normalizeH="0">
+          <a:defRPr kumimoji="0" sz="1800" b="0" i="0" u="none" strike="noStrike" cap="none" spc="0" normalizeH="0" baseline="0">
             <a:ln>
               <a:noFill/>
             </a:ln>
@@ -3687,7 +3626,7 @@
           <a:buFontTx/>
           <a:buNone/>
           <a:tabLst/>
-          <a:defRPr b="0" baseline="0" cap="none" i="0" spc="0" strike="noStrike" sz="1800" u="none" kumimoji="0" normalizeH="0">
+          <a:defRPr kumimoji="0" sz="1800" b="0" i="0" u="none" strike="noStrike" cap="none" spc="0" normalizeH="0" baseline="0">
             <a:ln>
               <a:noFill/>
             </a:ln>
@@ -3713,7 +3652,7 @@
           <a:buFontTx/>
           <a:buNone/>
           <a:tabLst/>
-          <a:defRPr b="0" baseline="0" cap="none" i="0" spc="0" strike="noStrike" sz="1800" u="none" kumimoji="0" normalizeH="0">
+          <a:defRPr kumimoji="0" sz="1800" b="0" i="0" u="none" strike="noStrike" cap="none" spc="0" normalizeH="0" baseline="0">
             <a:ln>
               <a:noFill/>
             </a:ln>
@@ -3739,7 +3678,7 @@
           <a:buFontTx/>
           <a:buNone/>
           <a:tabLst/>
-          <a:defRPr b="0" baseline="0" cap="none" i="0" spc="0" strike="noStrike" sz="1800" u="none" kumimoji="0" normalizeH="0">
+          <a:defRPr kumimoji="0" sz="1800" b="0" i="0" u="none" strike="noStrike" cap="none" spc="0" normalizeH="0" baseline="0">
             <a:ln>
               <a:noFill/>
             </a:ln>
@@ -3765,7 +3704,7 @@
           <a:buFontTx/>
           <a:buNone/>
           <a:tabLst/>
-          <a:defRPr b="0" baseline="0" cap="none" i="0" spc="0" strike="noStrike" sz="1800" u="none" kumimoji="0" normalizeH="0">
+          <a:defRPr kumimoji="0" sz="1800" b="0" i="0" u="none" strike="noStrike" cap="none" spc="0" normalizeH="0" baseline="0">
             <a:ln>
               <a:noFill/>
             </a:ln>
@@ -3791,7 +3730,7 @@
           <a:buFontTx/>
           <a:buNone/>
           <a:tabLst/>
-          <a:defRPr b="0" baseline="0" cap="none" i="0" spc="0" strike="noStrike" sz="1800" u="none" kumimoji="0" normalizeH="0">
+          <a:defRPr kumimoji="0" sz="1800" b="0" i="0" u="none" strike="noStrike" cap="none" spc="0" normalizeH="0" baseline="0">
             <a:ln>
               <a:noFill/>
             </a:ln>
@@ -3817,7 +3756,7 @@
           <a:buFontTx/>
           <a:buNone/>
           <a:tabLst/>
-          <a:defRPr b="0" baseline="0" cap="none" i="0" spc="0" strike="noStrike" sz="1800" u="none" kumimoji="0" normalizeH="0">
+          <a:defRPr kumimoji="0" sz="1800" b="0" i="0" u="none" strike="noStrike" cap="none" spc="0" normalizeH="0" baseline="0">
             <a:ln>
               <a:noFill/>
             </a:ln>
@@ -3843,7 +3782,7 @@
           <a:buFontTx/>
           <a:buNone/>
           <a:tabLst/>
-          <a:defRPr b="0" baseline="0" cap="none" i="0" spc="0" strike="noStrike" sz="1800" u="none" kumimoji="0" normalizeH="0">
+          <a:defRPr kumimoji="0" sz="1800" b="0" i="0" u="none" strike="noStrike" cap="none" spc="0" normalizeH="0" baseline="0">
             <a:ln>
               <a:noFill/>
             </a:ln>
@@ -3869,7 +3808,7 @@
           <a:buFontTx/>
           <a:buNone/>
           <a:tabLst/>
-          <a:defRPr b="0" baseline="0" cap="none" i="0" spc="0" strike="noStrike" sz="1800" u="none" kumimoji="0" normalizeH="0">
+          <a:defRPr kumimoji="0" sz="1800" b="0" i="0" u="none" strike="noStrike" cap="none" spc="0" normalizeH="0" baseline="0">
             <a:ln>
               <a:noFill/>
             </a:ln>
@@ -3882,9 +3821,15 @@
         </a:lvl9pPr>
       </a:lstStyle>
       <a:style>
-        <a:lnRef idx="0"/>
-        <a:fillRef idx="0"/>
-        <a:effectRef idx="0"/>
+        <a:lnRef idx="0">
+          <a:scrgbClr r="0" g="0" b="0"/>
+        </a:lnRef>
+        <a:fillRef idx="0">
+          <a:scrgbClr r="0" g="0" b="0"/>
+        </a:fillRef>
+        <a:effectRef idx="0">
+          <a:scrgbClr r="0" g="0" b="0"/>
+        </a:effectRef>
         <a:fontRef idx="none"/>
       </a:style>
     </a:lnDef>
@@ -3897,7 +3842,7 @@
         </a:ln>
         <a:effectLst/>
       </a:spPr>
-      <a:bodyPr rot="0" spcFirstLastPara="1" vertOverflow="overflow" horzOverflow="overflow" vert="horz" wrap="square" lIns="50800" tIns="50800" rIns="50800" bIns="50800" numCol="1" spcCol="38100" rtlCol="0" anchor="ctr" upright="0">
+      <a:bodyPr rot="0" spcFirstLastPara="1" vertOverflow="overflow" horzOverflow="overflow" vert="horz" wrap="square" lIns="50800" tIns="50800" rIns="50800" bIns="50800" numCol="1" spcCol="38100" rtlCol="0" anchor="ctr">
         <a:spAutoFit/>
       </a:bodyPr>
       <a:lstStyle>
@@ -3916,7 +3861,7 @@
           <a:buFontTx/>
           <a:buNone/>
           <a:tabLst/>
-          <a:defRPr b="0" baseline="0" cap="none" i="0" spc="0" strike="noStrike" sz="3800" u="none" kumimoji="0" normalizeH="0">
+          <a:defRPr kumimoji="0" sz="3800" b="0" i="0" u="none" strike="noStrike" cap="none" spc="0" normalizeH="0" baseline="0">
             <a:ln>
               <a:noFill/>
             </a:ln>
@@ -3946,7 +3891,7 @@
           <a:buFontTx/>
           <a:buNone/>
           <a:tabLst/>
-          <a:defRPr b="0" baseline="0" cap="none" i="0" spc="0" strike="noStrike" sz="1800" u="none" kumimoji="0" normalizeH="0">
+          <a:defRPr kumimoji="0" sz="1800" b="0" i="0" u="none" strike="noStrike" cap="none" spc="0" normalizeH="0" baseline="0">
             <a:ln>
               <a:noFill/>
             </a:ln>
@@ -3972,7 +3917,7 @@
           <a:buFontTx/>
           <a:buNone/>
           <a:tabLst/>
-          <a:defRPr b="0" baseline="0" cap="none" i="0" spc="0" strike="noStrike" sz="1800" u="none" kumimoji="0" normalizeH="0">
+          <a:defRPr kumimoji="0" sz="1800" b="0" i="0" u="none" strike="noStrike" cap="none" spc="0" normalizeH="0" baseline="0">
             <a:ln>
               <a:noFill/>
             </a:ln>
@@ -3998,7 +3943,7 @@
           <a:buFontTx/>
           <a:buNone/>
           <a:tabLst/>
-          <a:defRPr b="0" baseline="0" cap="none" i="0" spc="0" strike="noStrike" sz="1800" u="none" kumimoji="0" normalizeH="0">
+          <a:defRPr kumimoji="0" sz="1800" b="0" i="0" u="none" strike="noStrike" cap="none" spc="0" normalizeH="0" baseline="0">
             <a:ln>
               <a:noFill/>
             </a:ln>
@@ -4024,7 +3969,7 @@
           <a:buFontTx/>
           <a:buNone/>
           <a:tabLst/>
-          <a:defRPr b="0" baseline="0" cap="none" i="0" spc="0" strike="noStrike" sz="1800" u="none" kumimoji="0" normalizeH="0">
+          <a:defRPr kumimoji="0" sz="1800" b="0" i="0" u="none" strike="noStrike" cap="none" spc="0" normalizeH="0" baseline="0">
             <a:ln>
               <a:noFill/>
             </a:ln>
@@ -4050,7 +3995,7 @@
           <a:buFontTx/>
           <a:buNone/>
           <a:tabLst/>
-          <a:defRPr b="0" baseline="0" cap="none" i="0" spc="0" strike="noStrike" sz="1800" u="none" kumimoji="0" normalizeH="0">
+          <a:defRPr kumimoji="0" sz="1800" b="0" i="0" u="none" strike="noStrike" cap="none" spc="0" normalizeH="0" baseline="0">
             <a:ln>
               <a:noFill/>
             </a:ln>
@@ -4076,7 +4021,7 @@
           <a:buFontTx/>
           <a:buNone/>
           <a:tabLst/>
-          <a:defRPr b="0" baseline="0" cap="none" i="0" spc="0" strike="noStrike" sz="1800" u="none" kumimoji="0" normalizeH="0">
+          <a:defRPr kumimoji="0" sz="1800" b="0" i="0" u="none" strike="noStrike" cap="none" spc="0" normalizeH="0" baseline="0">
             <a:ln>
               <a:noFill/>
             </a:ln>
@@ -4102,7 +4047,7 @@
           <a:buFontTx/>
           <a:buNone/>
           <a:tabLst/>
-          <a:defRPr b="0" baseline="0" cap="none" i="0" spc="0" strike="noStrike" sz="1800" u="none" kumimoji="0" normalizeH="0">
+          <a:defRPr kumimoji="0" sz="1800" b="0" i="0" u="none" strike="noStrike" cap="none" spc="0" normalizeH="0" baseline="0">
             <a:ln>
               <a:noFill/>
             </a:ln>
@@ -4128,7 +4073,7 @@
           <a:buFontTx/>
           <a:buNone/>
           <a:tabLst/>
-          <a:defRPr b="0" baseline="0" cap="none" i="0" spc="0" strike="noStrike" sz="1800" u="none" kumimoji="0" normalizeH="0">
+          <a:defRPr kumimoji="0" sz="1800" b="0" i="0" u="none" strike="noStrike" cap="none" spc="0" normalizeH="0" baseline="0">
             <a:ln>
               <a:noFill/>
             </a:ln>
@@ -4154,7 +4099,7 @@
           <a:buFontTx/>
           <a:buNone/>
           <a:tabLst/>
-          <a:defRPr b="0" baseline="0" cap="none" i="0" spc="0" strike="noStrike" sz="1800" u="none" kumimoji="0" normalizeH="0">
+          <a:defRPr kumimoji="0" sz="1800" b="0" i="0" u="none" strike="noStrike" cap="none" spc="0" normalizeH="0" baseline="0">
             <a:ln>
               <a:noFill/>
             </a:ln>
@@ -4167,18 +4112,25 @@
         </a:lvl9pPr>
       </a:lstStyle>
       <a:style>
-        <a:lnRef idx="0"/>
-        <a:fillRef idx="0"/>
-        <a:effectRef idx="0"/>
+        <a:lnRef idx="0">
+          <a:scrgbClr r="0" g="0" b="0"/>
+        </a:lnRef>
+        <a:fillRef idx="0">
+          <a:scrgbClr r="0" g="0" b="0"/>
+        </a:fillRef>
+        <a:effectRef idx="0">
+          <a:scrgbClr r="0" g="0" b="0"/>
+        </a:effectRef>
         <a:fontRef idx="none"/>
       </a:style>
     </a:txDef>
   </a:objectDefaults>
+  <a:extraClrSchemeLst/>
 </a:theme>
 </file>
 
 <file path=ppt/theme/theme2.xml><?xml version="1.0" encoding="utf-8"?>
-<a:theme xmlns:a="http://schemas.openxmlformats.org/drawingml/2006/main" xmlns:r="http://schemas.openxmlformats.org/officeDocument/2006/relationships" name="Gradient">
+<a:theme xmlns:a="http://schemas.openxmlformats.org/drawingml/2006/main" name="Gradient">
   <a:themeElements>
     <a:clrScheme name="Gradient">
       <a:dk1>
@@ -4304,7 +4256,7 @@
       <a:effectStyleLst>
         <a:effectStyle>
           <a:effectLst>
-            <a:outerShdw sx="100000" sy="100000" kx="0" ky="0" algn="b" rotWithShape="0" blurRad="76200" dist="0" dir="18900000">
+            <a:outerShdw blurRad="76200" dir="18900000" rotWithShape="0">
               <a:srgbClr val="000000">
                 <a:alpha val="80000"/>
               </a:srgbClr>
@@ -4313,7 +4265,7 @@
         </a:effectStyle>
         <a:effectStyle>
           <a:effectLst>
-            <a:outerShdw sx="100000" sy="100000" kx="0" ky="0" algn="b" rotWithShape="0" blurRad="76200" dist="0" dir="18900000">
+            <a:outerShdw blurRad="76200" dir="18900000" rotWithShape="0">
               <a:srgbClr val="000000">
                 <a:alpha val="80000"/>
               </a:srgbClr>
@@ -4322,7 +4274,7 @@
         </a:effectStyle>
         <a:effectStyle>
           <a:effectLst>
-            <a:outerShdw sx="100000" sy="100000" kx="0" ky="0" algn="b" rotWithShape="0" blurRad="76200" dist="0" dir="18900000">
+            <a:outerShdw blurRad="76200" dir="18900000" rotWithShape="0">
               <a:srgbClr val="000000">
                 <a:alpha val="80000"/>
               </a:srgbClr>
@@ -4401,14 +4353,14 @@
           <a:miter lim="400000"/>
         </a:ln>
         <a:effectLst>
-          <a:outerShdw sx="100000" sy="100000" kx="0" ky="0" algn="b" rotWithShape="0" blurRad="76200" dist="0" dir="18900000">
+          <a:outerShdw blurRad="76200" dir="18900000" rotWithShape="0">
             <a:srgbClr val="000000">
               <a:alpha val="80000"/>
             </a:srgbClr>
           </a:outerShdw>
         </a:effectLst>
       </a:spPr>
-      <a:bodyPr rot="0" spcFirstLastPara="1" vertOverflow="overflow" horzOverflow="overflow" vert="horz" wrap="square" lIns="50800" tIns="50800" rIns="50800" bIns="50800" numCol="1" spcCol="38100" rtlCol="0" anchor="ctr" upright="0">
+      <a:bodyPr rot="0" spcFirstLastPara="1" vertOverflow="overflow" horzOverflow="overflow" vert="horz" wrap="square" lIns="50800" tIns="50800" rIns="50800" bIns="50800" numCol="1" spcCol="38100" rtlCol="0" anchor="ctr">
         <a:spAutoFit/>
       </a:bodyPr>
       <a:lstStyle>
@@ -4427,7 +4379,7 @@
           <a:buFontTx/>
           <a:buNone/>
           <a:tabLst/>
-          <a:defRPr b="0" baseline="0" cap="none" i="0" spc="0" strike="noStrike" sz="2400" u="none" kumimoji="0" normalizeH="0">
+          <a:defRPr kumimoji="0" sz="2400" b="0" i="0" u="none" strike="noStrike" cap="none" spc="0" normalizeH="0" baseline="0">
             <a:ln>
               <a:noFill/>
             </a:ln>
@@ -4435,7 +4387,7 @@
               <a:srgbClr val="FFFFFF"/>
             </a:solidFill>
             <a:effectLst>
-              <a:outerShdw sx="100000" sy="100000" kx="0" ky="0" algn="b" rotWithShape="0" blurRad="25400" dist="23998" dir="2700000">
+              <a:outerShdw blurRad="25400" dist="23998" dir="2700000" rotWithShape="0">
                 <a:srgbClr val="000000">
                   <a:alpha val="31034"/>
                 </a:srgbClr>
@@ -4463,7 +4415,7 @@
           <a:buFontTx/>
           <a:buNone/>
           <a:tabLst/>
-          <a:defRPr b="0" baseline="0" cap="none" i="0" spc="0" strike="noStrike" sz="1800" u="none" kumimoji="0" normalizeH="0">
+          <a:defRPr kumimoji="0" sz="1800" b="0" i="0" u="none" strike="noStrike" cap="none" spc="0" normalizeH="0" baseline="0">
             <a:ln>
               <a:noFill/>
             </a:ln>
@@ -4489,7 +4441,7 @@
           <a:buFontTx/>
           <a:buNone/>
           <a:tabLst/>
-          <a:defRPr b="0" baseline="0" cap="none" i="0" spc="0" strike="noStrike" sz="1800" u="none" kumimoji="0" normalizeH="0">
+          <a:defRPr kumimoji="0" sz="1800" b="0" i="0" u="none" strike="noStrike" cap="none" spc="0" normalizeH="0" baseline="0">
             <a:ln>
               <a:noFill/>
             </a:ln>
@@ -4515,7 +4467,7 @@
           <a:buFontTx/>
           <a:buNone/>
           <a:tabLst/>
-          <a:defRPr b="0" baseline="0" cap="none" i="0" spc="0" strike="noStrike" sz="1800" u="none" kumimoji="0" normalizeH="0">
+          <a:defRPr kumimoji="0" sz="1800" b="0" i="0" u="none" strike="noStrike" cap="none" spc="0" normalizeH="0" baseline="0">
             <a:ln>
               <a:noFill/>
             </a:ln>
@@ -4541,7 +4493,7 @@
           <a:buFontTx/>
           <a:buNone/>
           <a:tabLst/>
-          <a:defRPr b="0" baseline="0" cap="none" i="0" spc="0" strike="noStrike" sz="1800" u="none" kumimoji="0" normalizeH="0">
+          <a:defRPr kumimoji="0" sz="1800" b="0" i="0" u="none" strike="noStrike" cap="none" spc="0" normalizeH="0" baseline="0">
             <a:ln>
               <a:noFill/>
             </a:ln>
@@ -4567,7 +4519,7 @@
           <a:buFontTx/>
           <a:buNone/>
           <a:tabLst/>
-          <a:defRPr b="0" baseline="0" cap="none" i="0" spc="0" strike="noStrike" sz="1800" u="none" kumimoji="0" normalizeH="0">
+          <a:defRPr kumimoji="0" sz="1800" b="0" i="0" u="none" strike="noStrike" cap="none" spc="0" normalizeH="0" baseline="0">
             <a:ln>
               <a:noFill/>
             </a:ln>
@@ -4593,7 +4545,7 @@
           <a:buFontTx/>
           <a:buNone/>
           <a:tabLst/>
-          <a:defRPr b="0" baseline="0" cap="none" i="0" spc="0" strike="noStrike" sz="1800" u="none" kumimoji="0" normalizeH="0">
+          <a:defRPr kumimoji="0" sz="1800" b="0" i="0" u="none" strike="noStrike" cap="none" spc="0" normalizeH="0" baseline="0">
             <a:ln>
               <a:noFill/>
             </a:ln>
@@ -4619,7 +4571,7 @@
           <a:buFontTx/>
           <a:buNone/>
           <a:tabLst/>
-          <a:defRPr b="0" baseline="0" cap="none" i="0" spc="0" strike="noStrike" sz="1800" u="none" kumimoji="0" normalizeH="0">
+          <a:defRPr kumimoji="0" sz="1800" b="0" i="0" u="none" strike="noStrike" cap="none" spc="0" normalizeH="0" baseline="0">
             <a:ln>
               <a:noFill/>
             </a:ln>
@@ -4645,7 +4597,7 @@
           <a:buFontTx/>
           <a:buNone/>
           <a:tabLst/>
-          <a:defRPr b="0" baseline="0" cap="none" i="0" spc="0" strike="noStrike" sz="1800" u="none" kumimoji="0" normalizeH="0">
+          <a:defRPr kumimoji="0" sz="1800" b="0" i="0" u="none" strike="noStrike" cap="none" spc="0" normalizeH="0" baseline="0">
             <a:ln>
               <a:noFill/>
             </a:ln>
@@ -4671,7 +4623,7 @@
           <a:buFontTx/>
           <a:buNone/>
           <a:tabLst/>
-          <a:defRPr b="0" baseline="0" cap="none" i="0" spc="0" strike="noStrike" sz="1800" u="none" kumimoji="0" normalizeH="0">
+          <a:defRPr kumimoji="0" sz="1800" b="0" i="0" u="none" strike="noStrike" cap="none" spc="0" normalizeH="0" baseline="0">
             <a:ln>
               <a:noFill/>
             </a:ln>
@@ -4684,9 +4636,15 @@
         </a:lvl9pPr>
       </a:lstStyle>
       <a:style>
-        <a:lnRef idx="0"/>
-        <a:fillRef idx="0"/>
-        <a:effectRef idx="0"/>
+        <a:lnRef idx="0">
+          <a:scrgbClr r="0" g="0" b="0"/>
+        </a:lnRef>
+        <a:fillRef idx="0">
+          <a:scrgbClr r="0" g="0" b="0"/>
+        </a:fillRef>
+        <a:effectRef idx="0">
+          <a:scrgbClr r="0" g="0" b="0"/>
+        </a:effectRef>
         <a:fontRef idx="none"/>
       </a:style>
     </a:spDef>
@@ -4702,7 +4660,7 @@
         </a:ln>
         <a:effectLst/>
       </a:spPr>
-      <a:bodyPr rot="0" spcFirstLastPara="1" vertOverflow="overflow" horzOverflow="overflow" vert="horz" wrap="square" lIns="91439" tIns="45719" rIns="91439" bIns="45719" numCol="1" spcCol="38100" rtlCol="0" anchor="t" upright="0">
+      <a:bodyPr rot="0" spcFirstLastPara="1" vertOverflow="overflow" horzOverflow="overflow" vert="horz" wrap="square" lIns="91439" tIns="45719" rIns="91439" bIns="45719" numCol="1" spcCol="38100" rtlCol="0" anchor="t">
         <a:noAutofit/>
       </a:bodyPr>
       <a:lstStyle>
@@ -4721,7 +4679,7 @@
           <a:buFontTx/>
           <a:buNone/>
           <a:tabLst/>
-          <a:defRPr b="0" baseline="0" cap="none" i="0" spc="0" strike="noStrike" sz="1800" u="none" kumimoji="0" normalizeH="0">
+          <a:defRPr kumimoji="0" sz="1800" b="0" i="0" u="none" strike="noStrike" cap="none" spc="0" normalizeH="0" baseline="0">
             <a:ln>
               <a:noFill/>
             </a:ln>
@@ -4747,7 +4705,7 @@
           <a:buFontTx/>
           <a:buNone/>
           <a:tabLst/>
-          <a:defRPr b="0" baseline="0" cap="none" i="0" spc="0" strike="noStrike" sz="1800" u="none" kumimoji="0" normalizeH="0">
+          <a:defRPr kumimoji="0" sz="1800" b="0" i="0" u="none" strike="noStrike" cap="none" spc="0" normalizeH="0" baseline="0">
             <a:ln>
               <a:noFill/>
             </a:ln>
@@ -4773,7 +4731,7 @@
           <a:buFontTx/>
           <a:buNone/>
           <a:tabLst/>
-          <a:defRPr b="0" baseline="0" cap="none" i="0" spc="0" strike="noStrike" sz="1800" u="none" kumimoji="0" normalizeH="0">
+          <a:defRPr kumimoji="0" sz="1800" b="0" i="0" u="none" strike="noStrike" cap="none" spc="0" normalizeH="0" baseline="0">
             <a:ln>
               <a:noFill/>
             </a:ln>
@@ -4799,7 +4757,7 @@
           <a:buFontTx/>
           <a:buNone/>
           <a:tabLst/>
-          <a:defRPr b="0" baseline="0" cap="none" i="0" spc="0" strike="noStrike" sz="1800" u="none" kumimoji="0" normalizeH="0">
+          <a:defRPr kumimoji="0" sz="1800" b="0" i="0" u="none" strike="noStrike" cap="none" spc="0" normalizeH="0" baseline="0">
             <a:ln>
               <a:noFill/>
             </a:ln>
@@ -4825,7 +4783,7 @@
           <a:buFontTx/>
           <a:buNone/>
           <a:tabLst/>
-          <a:defRPr b="0" baseline="0" cap="none" i="0" spc="0" strike="noStrike" sz="1800" u="none" kumimoji="0" normalizeH="0">
+          <a:defRPr kumimoji="0" sz="1800" b="0" i="0" u="none" strike="noStrike" cap="none" spc="0" normalizeH="0" baseline="0">
             <a:ln>
               <a:noFill/>
             </a:ln>
@@ -4851,7 +4809,7 @@
           <a:buFontTx/>
           <a:buNone/>
           <a:tabLst/>
-          <a:defRPr b="0" baseline="0" cap="none" i="0" spc="0" strike="noStrike" sz="1800" u="none" kumimoji="0" normalizeH="0">
+          <a:defRPr kumimoji="0" sz="1800" b="0" i="0" u="none" strike="noStrike" cap="none" spc="0" normalizeH="0" baseline="0">
             <a:ln>
               <a:noFill/>
             </a:ln>
@@ -4877,7 +4835,7 @@
           <a:buFontTx/>
           <a:buNone/>
           <a:tabLst/>
-          <a:defRPr b="0" baseline="0" cap="none" i="0" spc="0" strike="noStrike" sz="1800" u="none" kumimoji="0" normalizeH="0">
+          <a:defRPr kumimoji="0" sz="1800" b="0" i="0" u="none" strike="noStrike" cap="none" spc="0" normalizeH="0" baseline="0">
             <a:ln>
               <a:noFill/>
             </a:ln>
@@ -4903,7 +4861,7 @@
           <a:buFontTx/>
           <a:buNone/>
           <a:tabLst/>
-          <a:defRPr b="0" baseline="0" cap="none" i="0" spc="0" strike="noStrike" sz="1800" u="none" kumimoji="0" normalizeH="0">
+          <a:defRPr kumimoji="0" sz="1800" b="0" i="0" u="none" strike="noStrike" cap="none" spc="0" normalizeH="0" baseline="0">
             <a:ln>
               <a:noFill/>
             </a:ln>
@@ -4929,7 +4887,7 @@
           <a:buFontTx/>
           <a:buNone/>
           <a:tabLst/>
-          <a:defRPr b="0" baseline="0" cap="none" i="0" spc="0" strike="noStrike" sz="1800" u="none" kumimoji="0" normalizeH="0">
+          <a:defRPr kumimoji="0" sz="1800" b="0" i="0" u="none" strike="noStrike" cap="none" spc="0" normalizeH="0" baseline="0">
             <a:ln>
               <a:noFill/>
             </a:ln>
@@ -4955,7 +4913,7 @@
           <a:buFontTx/>
           <a:buNone/>
           <a:tabLst/>
-          <a:defRPr b="0" baseline="0" cap="none" i="0" spc="0" strike="noStrike" sz="1800" u="none" kumimoji="0" normalizeH="0">
+          <a:defRPr kumimoji="0" sz="1800" b="0" i="0" u="none" strike="noStrike" cap="none" spc="0" normalizeH="0" baseline="0">
             <a:ln>
               <a:noFill/>
             </a:ln>
@@ -4968,9 +4926,15 @@
         </a:lvl9pPr>
       </a:lstStyle>
       <a:style>
-        <a:lnRef idx="0"/>
-        <a:fillRef idx="0"/>
-        <a:effectRef idx="0"/>
+        <a:lnRef idx="0">
+          <a:scrgbClr r="0" g="0" b="0"/>
+        </a:lnRef>
+        <a:fillRef idx="0">
+          <a:scrgbClr r="0" g="0" b="0"/>
+        </a:fillRef>
+        <a:effectRef idx="0">
+          <a:scrgbClr r="0" g="0" b="0"/>
+        </a:effectRef>
         <a:fontRef idx="none"/>
       </a:style>
     </a:lnDef>
@@ -4983,7 +4947,7 @@
         </a:ln>
         <a:effectLst/>
       </a:spPr>
-      <a:bodyPr rot="0" spcFirstLastPara="1" vertOverflow="overflow" horzOverflow="overflow" vert="horz" wrap="square" lIns="50800" tIns="50800" rIns="50800" bIns="50800" numCol="1" spcCol="38100" rtlCol="0" anchor="ctr" upright="0">
+      <a:bodyPr rot="0" spcFirstLastPara="1" vertOverflow="overflow" horzOverflow="overflow" vert="horz" wrap="square" lIns="50800" tIns="50800" rIns="50800" bIns="50800" numCol="1" spcCol="38100" rtlCol="0" anchor="ctr">
         <a:spAutoFit/>
       </a:bodyPr>
       <a:lstStyle>
@@ -5002,7 +4966,7 @@
           <a:buFontTx/>
           <a:buNone/>
           <a:tabLst/>
-          <a:defRPr b="0" baseline="0" cap="none" i="0" spc="0" strike="noStrike" sz="3800" u="none" kumimoji="0" normalizeH="0">
+          <a:defRPr kumimoji="0" sz="3800" b="0" i="0" u="none" strike="noStrike" cap="none" spc="0" normalizeH="0" baseline="0">
             <a:ln>
               <a:noFill/>
             </a:ln>
@@ -5032,7 +4996,7 @@
           <a:buFontTx/>
           <a:buNone/>
           <a:tabLst/>
-          <a:defRPr b="0" baseline="0" cap="none" i="0" spc="0" strike="noStrike" sz="1800" u="none" kumimoji="0" normalizeH="0">
+          <a:defRPr kumimoji="0" sz="1800" b="0" i="0" u="none" strike="noStrike" cap="none" spc="0" normalizeH="0" baseline="0">
             <a:ln>
               <a:noFill/>
             </a:ln>
@@ -5058,7 +5022,7 @@
           <a:buFontTx/>
           <a:buNone/>
           <a:tabLst/>
-          <a:defRPr b="0" baseline="0" cap="none" i="0" spc="0" strike="noStrike" sz="1800" u="none" kumimoji="0" normalizeH="0">
+          <a:defRPr kumimoji="0" sz="1800" b="0" i="0" u="none" strike="noStrike" cap="none" spc="0" normalizeH="0" baseline="0">
             <a:ln>
               <a:noFill/>
             </a:ln>
@@ -5084,7 +5048,7 @@
           <a:buFontTx/>
           <a:buNone/>
           <a:tabLst/>
-          <a:defRPr b="0" baseline="0" cap="none" i="0" spc="0" strike="noStrike" sz="1800" u="none" kumimoji="0" normalizeH="0">
+          <a:defRPr kumimoji="0" sz="1800" b="0" i="0" u="none" strike="noStrike" cap="none" spc="0" normalizeH="0" baseline="0">
             <a:ln>
               <a:noFill/>
             </a:ln>
@@ -5110,7 +5074,7 @@
           <a:buFontTx/>
           <a:buNone/>
           <a:tabLst/>
-          <a:defRPr b="0" baseline="0" cap="none" i="0" spc="0" strike="noStrike" sz="1800" u="none" kumimoji="0" normalizeH="0">
+          <a:defRPr kumimoji="0" sz="1800" b="0" i="0" u="none" strike="noStrike" cap="none" spc="0" normalizeH="0" baseline="0">
             <a:ln>
               <a:noFill/>
             </a:ln>
@@ -5136,7 +5100,7 @@
           <a:buFontTx/>
           <a:buNone/>
           <a:tabLst/>
-          <a:defRPr b="0" baseline="0" cap="none" i="0" spc="0" strike="noStrike" sz="1800" u="none" kumimoji="0" normalizeH="0">
+          <a:defRPr kumimoji="0" sz="1800" b="0" i="0" u="none" strike="noStrike" cap="none" spc="0" normalizeH="0" baseline="0">
             <a:ln>
               <a:noFill/>
             </a:ln>
@@ -5162,7 +5126,7 @@
           <a:buFontTx/>
           <a:buNone/>
           <a:tabLst/>
-          <a:defRPr b="0" baseline="0" cap="none" i="0" spc="0" strike="noStrike" sz="1800" u="none" kumimoji="0" normalizeH="0">
+          <a:defRPr kumimoji="0" sz="1800" b="0" i="0" u="none" strike="noStrike" cap="none" spc="0" normalizeH="0" baseline="0">
             <a:ln>
               <a:noFill/>
             </a:ln>
@@ -5188,7 +5152,7 @@
           <a:buFontTx/>
           <a:buNone/>
           <a:tabLst/>
-          <a:defRPr b="0" baseline="0" cap="none" i="0" spc="0" strike="noStrike" sz="1800" u="none" kumimoji="0" normalizeH="0">
+          <a:defRPr kumimoji="0" sz="1800" b="0" i="0" u="none" strike="noStrike" cap="none" spc="0" normalizeH="0" baseline="0">
             <a:ln>
               <a:noFill/>
             </a:ln>
@@ -5214,7 +5178,7 @@
           <a:buFontTx/>
           <a:buNone/>
           <a:tabLst/>
-          <a:defRPr b="0" baseline="0" cap="none" i="0" spc="0" strike="noStrike" sz="1800" u="none" kumimoji="0" normalizeH="0">
+          <a:defRPr kumimoji="0" sz="1800" b="0" i="0" u="none" strike="noStrike" cap="none" spc="0" normalizeH="0" baseline="0">
             <a:ln>
               <a:noFill/>
             </a:ln>
@@ -5240,7 +5204,7 @@
           <a:buFontTx/>
           <a:buNone/>
           <a:tabLst/>
-          <a:defRPr b="0" baseline="0" cap="none" i="0" spc="0" strike="noStrike" sz="1800" u="none" kumimoji="0" normalizeH="0">
+          <a:defRPr kumimoji="0" sz="1800" b="0" i="0" u="none" strike="noStrike" cap="none" spc="0" normalizeH="0" baseline="0">
             <a:ln>
               <a:noFill/>
             </a:ln>
@@ -5253,12 +5217,19 @@
         </a:lvl9pPr>
       </a:lstStyle>
       <a:style>
-        <a:lnRef idx="0"/>
-        <a:fillRef idx="0"/>
-        <a:effectRef idx="0"/>
+        <a:lnRef idx="0">
+          <a:scrgbClr r="0" g="0" b="0"/>
+        </a:lnRef>
+        <a:fillRef idx="0">
+          <a:scrgbClr r="0" g="0" b="0"/>
+        </a:fillRef>
+        <a:effectRef idx="0">
+          <a:scrgbClr r="0" g="0" b="0"/>
+        </a:effectRef>
         <a:fontRef idx="none"/>
       </a:style>
     </a:txDef>
   </a:objectDefaults>
+  <a:extraClrSchemeLst/>
 </a:theme>
 </file>
--- a/doc/presentation.pptx
+++ b/doc/presentation.pptx
@@ -5,7 +5,7 @@
     <p:sldMasterId id="2147483648" r:id="rId1"/>
   </p:sldMasterIdLst>
   <p:notesMasterIdLst>
-    <p:notesMasterId r:id="rId14"/>
+    <p:notesMasterId r:id="rId21"/>
   </p:notesMasterIdLst>
   <p:sldIdLst>
     <p:sldId id="256" r:id="rId2"/>
@@ -19,7 +19,14 @@
     <p:sldId id="262" r:id="rId10"/>
     <p:sldId id="263" r:id="rId11"/>
     <p:sldId id="264" r:id="rId12"/>
-    <p:sldId id="265" r:id="rId13"/>
+    <p:sldId id="268" r:id="rId13"/>
+    <p:sldId id="269" r:id="rId14"/>
+    <p:sldId id="270" r:id="rId15"/>
+    <p:sldId id="271" r:id="rId16"/>
+    <p:sldId id="272" r:id="rId17"/>
+    <p:sldId id="273" r:id="rId18"/>
+    <p:sldId id="274" r:id="rId19"/>
+    <p:sldId id="265" r:id="rId20"/>
   </p:sldIdLst>
   <p:sldSz cx="13004800" cy="9753600"/>
   <p:notesSz cx="6858000" cy="9144000"/>
@@ -2216,30 +2223,6 @@
       </p:grpSpPr>
       <p:sp>
         <p:nvSpPr>
-          <p:cNvPr id="50" name="Shape 50"/>
-          <p:cNvSpPr>
-            <a:spLocks noGrp="1"/>
-          </p:cNvSpPr>
-          <p:nvPr>
-            <p:ph type="title"/>
-          </p:nvPr>
-        </p:nvSpPr>
-        <p:spPr>
-          <a:prstGeom prst="rect">
-            <a:avLst/>
-          </a:prstGeom>
-        </p:spPr>
-        <p:txBody>
-          <a:bodyPr/>
-          <a:lstStyle/>
-          <a:p>
-            <a:pPr lvl="0"/>
-            <a:endParaRPr/>
-          </a:p>
-        </p:txBody>
-      </p:sp>
-      <p:sp>
-        <p:nvSpPr>
           <p:cNvPr id="51" name="Shape 51"/>
           <p:cNvSpPr>
             <a:spLocks noGrp="1"/>
@@ -2249,6 +2232,10 @@
           </p:nvPr>
         </p:nvSpPr>
         <p:spPr>
+          <a:xfrm>
+            <a:off x="952500" y="515406"/>
+            <a:ext cx="11099800" cy="8361894"/>
+          </a:xfrm>
           <a:prstGeom prst="rect">
             <a:avLst/>
           </a:prstGeom>
@@ -2258,7 +2245,27 @@
           <a:lstStyle/>
           <a:p>
             <a:pPr lvl="0"/>
-            <a:endParaRPr/>
+            <a:r>
+              <a:rPr lang="zh-CN" altLang="en-US" dirty="0"/>
+              <a:t>一所学校里面有 </a:t>
+            </a:r>
+            <a:r>
+              <a:rPr lang="en-US" altLang="zh-CN" dirty="0"/>
+              <a:t>60% </a:t>
+            </a:r>
+            <a:r>
+              <a:rPr lang="zh-CN" altLang="en-US" dirty="0"/>
+              <a:t>的男生，</a:t>
+            </a:r>
+            <a:r>
+              <a:rPr lang="en-US" altLang="zh-CN" dirty="0"/>
+              <a:t>40% </a:t>
+            </a:r>
+            <a:r>
+              <a:rPr lang="zh-CN" altLang="en-US" dirty="0"/>
+              <a:t>的女生。男生总是穿长裤，女生则一半穿长裤一半穿裙子。有了这些信息之后我们可以容易地计算“随机选取一个学生，他（她）穿长裤的概率和穿裙子的概率是多大”，这个就是前面说的“正向概率”的计算。然而，假设你走在校园中，迎面走来一个穿长裤的学生（很不幸的是你高度近似，你只看得见他（她）穿的是否长裤，而无法确定他（她）的性别），你能够推断出他（她）是男生的概率是多大吗？</a:t>
+            </a:r>
+            <a:endParaRPr dirty="0"/>
           </a:p>
         </p:txBody>
       </p:sp>
@@ -2272,6 +2279,1294 @@
 </file>
 
 <file path=ppt/slides/slide12.xml><?xml version="1.0" encoding="utf-8"?>
+<p:sld xmlns:a="http://schemas.openxmlformats.org/drawingml/2006/main" xmlns:r="http://schemas.openxmlformats.org/officeDocument/2006/relationships" xmlns:p="http://schemas.openxmlformats.org/presentationml/2006/main">
+  <p:cSld>
+    <p:spTree>
+      <p:nvGrpSpPr>
+        <p:cNvPr id="1" name=""/>
+        <p:cNvGrpSpPr/>
+        <p:nvPr/>
+      </p:nvGrpSpPr>
+      <p:grpSpPr>
+        <a:xfrm>
+          <a:off x="0" y="0"/>
+          <a:ext cx="0" cy="0"/>
+          <a:chOff x="0" y="0"/>
+          <a:chExt cx="0" cy="0"/>
+        </a:xfrm>
+      </p:grpSpPr>
+      <p:sp>
+        <p:nvSpPr>
+          <p:cNvPr id="3" name="文本占位符 2"/>
+          <p:cNvSpPr>
+            <a:spLocks noGrp="1"/>
+          </p:cNvSpPr>
+          <p:nvPr>
+            <p:ph type="body" idx="1"/>
+          </p:nvPr>
+        </p:nvSpPr>
+        <p:spPr>
+          <a:xfrm>
+            <a:off x="952500" y="662665"/>
+            <a:ext cx="11099800" cy="8214635"/>
+          </a:xfrm>
+        </p:spPr>
+        <p:txBody>
+          <a:bodyPr/>
+          <a:lstStyle/>
+          <a:p>
+            <a:r>
+              <a:rPr kumimoji="1" lang="zh-CN" altLang="en-US" dirty="0"/>
+              <a:t>假设学校里面人的总数是 </a:t>
+            </a:r>
+            <a:r>
+              <a:rPr kumimoji="1" lang="en-US" altLang="zh-CN" dirty="0"/>
+              <a:t>U </a:t>
+            </a:r>
+            <a:r>
+              <a:rPr kumimoji="1" lang="zh-CN" altLang="en-US" dirty="0"/>
+              <a:t>个。</a:t>
+            </a:r>
+            <a:r>
+              <a:rPr kumimoji="1" lang="en-US" altLang="zh-CN" dirty="0"/>
+              <a:t>60% </a:t>
+            </a:r>
+            <a:r>
+              <a:rPr kumimoji="1" lang="zh-CN" altLang="en-US" dirty="0"/>
+              <a:t>的男生都穿长裤，于是我们得到了 </a:t>
+            </a:r>
+            <a:r>
+              <a:rPr kumimoji="1" lang="en-US" altLang="zh-CN" dirty="0"/>
+              <a:t>U * P(Boy) * P(</a:t>
+            </a:r>
+            <a:r>
+              <a:rPr kumimoji="1" lang="en-US" altLang="zh-CN" dirty="0" err="1"/>
+              <a:t>Pants|Boy</a:t>
+            </a:r>
+            <a:r>
+              <a:rPr kumimoji="1" lang="en-US" altLang="zh-CN" dirty="0"/>
+              <a:t>) </a:t>
+            </a:r>
+            <a:r>
+              <a:rPr kumimoji="1" lang="zh-CN" altLang="en-US" dirty="0"/>
+              <a:t>个穿长裤的（男生）（其中 </a:t>
+            </a:r>
+            <a:r>
+              <a:rPr kumimoji="1" lang="en-US" altLang="zh-CN" dirty="0"/>
+              <a:t>P(Boy) </a:t>
+            </a:r>
+            <a:r>
+              <a:rPr kumimoji="1" lang="zh-CN" altLang="en-US" dirty="0"/>
+              <a:t>是男生的概率 </a:t>
+            </a:r>
+            <a:r>
+              <a:rPr kumimoji="1" lang="en-US" altLang="zh-CN" dirty="0"/>
+              <a:t>= 60%</a:t>
+            </a:r>
+            <a:r>
+              <a:rPr kumimoji="1" lang="zh-CN" altLang="en-US" dirty="0"/>
+              <a:t>，这里可以简单的理解为男生的比例；</a:t>
+            </a:r>
+            <a:r>
+              <a:rPr kumimoji="1" lang="en-US" altLang="zh-CN" dirty="0"/>
+              <a:t>P(</a:t>
+            </a:r>
+            <a:r>
+              <a:rPr kumimoji="1" lang="en-US" altLang="zh-CN" dirty="0" err="1"/>
+              <a:t>Pants|Boy</a:t>
+            </a:r>
+            <a:r>
+              <a:rPr kumimoji="1" lang="en-US" altLang="zh-CN" dirty="0"/>
+              <a:t>) </a:t>
+            </a:r>
+            <a:r>
+              <a:rPr kumimoji="1" lang="zh-CN" altLang="en-US" dirty="0"/>
+              <a:t>是条件概率，即在 </a:t>
+            </a:r>
+            <a:r>
+              <a:rPr kumimoji="1" lang="en-US" altLang="zh-CN" dirty="0"/>
+              <a:t>Boy </a:t>
+            </a:r>
+            <a:r>
+              <a:rPr kumimoji="1" lang="zh-CN" altLang="en-US" dirty="0"/>
+              <a:t>这个条件下穿长裤的概率是多大，这里是 </a:t>
+            </a:r>
+            <a:r>
+              <a:rPr kumimoji="1" lang="en-US" altLang="zh-CN" dirty="0"/>
+              <a:t>100% </a:t>
+            </a:r>
+            <a:r>
+              <a:rPr kumimoji="1" lang="zh-CN" altLang="en-US" dirty="0"/>
+              <a:t>，因为所有男生都穿长裤）。</a:t>
+            </a:r>
+            <a:r>
+              <a:rPr kumimoji="1" lang="en-US" altLang="zh-CN" dirty="0"/>
+              <a:t>40% </a:t>
+            </a:r>
+            <a:r>
+              <a:rPr kumimoji="1" lang="zh-CN" altLang="en-US" dirty="0"/>
+              <a:t>的女生里面又有一半（</a:t>
+            </a:r>
+            <a:r>
+              <a:rPr kumimoji="1" lang="en-US" altLang="zh-CN" dirty="0"/>
+              <a:t>50%</a:t>
+            </a:r>
+            <a:r>
+              <a:rPr kumimoji="1" lang="zh-CN" altLang="en-US" dirty="0"/>
+              <a:t>）是穿长裤的，于是我们又得到了 </a:t>
+            </a:r>
+            <a:r>
+              <a:rPr kumimoji="1" lang="en-US" altLang="zh-CN" dirty="0"/>
+              <a:t>U * P(Girl) * P(</a:t>
+            </a:r>
+            <a:r>
+              <a:rPr kumimoji="1" lang="en-US" altLang="zh-CN" dirty="0" err="1"/>
+              <a:t>Pants|Girl</a:t>
+            </a:r>
+            <a:r>
+              <a:rPr kumimoji="1" lang="en-US" altLang="zh-CN" dirty="0"/>
+              <a:t>) </a:t>
+            </a:r>
+            <a:r>
+              <a:rPr kumimoji="1" lang="zh-CN" altLang="en-US" dirty="0"/>
+              <a:t>个穿长裤的（女生）。加起来一共是 </a:t>
+            </a:r>
+            <a:r>
+              <a:rPr kumimoji="1" lang="en-US" altLang="zh-CN" dirty="0"/>
+              <a:t>U * P(Boy) * P(</a:t>
+            </a:r>
+            <a:r>
+              <a:rPr kumimoji="1" lang="en-US" altLang="zh-CN" dirty="0" err="1"/>
+              <a:t>Pants|Boy</a:t>
+            </a:r>
+            <a:r>
+              <a:rPr kumimoji="1" lang="en-US" altLang="zh-CN" dirty="0"/>
+              <a:t>) + U * P(Girl) * P(</a:t>
+            </a:r>
+            <a:r>
+              <a:rPr kumimoji="1" lang="en-US" altLang="zh-CN" dirty="0" err="1"/>
+              <a:t>Pants|Girl</a:t>
+            </a:r>
+            <a:r>
+              <a:rPr kumimoji="1" lang="en-US" altLang="zh-CN" dirty="0"/>
+              <a:t>) </a:t>
+            </a:r>
+            <a:r>
+              <a:rPr kumimoji="1" lang="zh-CN" altLang="en-US" dirty="0"/>
+              <a:t>个穿长裤的，其中有 </a:t>
+            </a:r>
+            <a:r>
+              <a:rPr kumimoji="1" lang="en-US" altLang="zh-CN" dirty="0"/>
+              <a:t>U * P(Girl) * P(</a:t>
+            </a:r>
+            <a:r>
+              <a:rPr kumimoji="1" lang="en-US" altLang="zh-CN" dirty="0" err="1"/>
+              <a:t>Pants|Girl</a:t>
+            </a:r>
+            <a:r>
+              <a:rPr kumimoji="1" lang="en-US" altLang="zh-CN" dirty="0"/>
+              <a:t>) </a:t>
+            </a:r>
+            <a:r>
+              <a:rPr kumimoji="1" lang="zh-CN" altLang="en-US" dirty="0"/>
+              <a:t>个女生。两者一比就是你要求的答案。</a:t>
+            </a:r>
+          </a:p>
+        </p:txBody>
+      </p:sp>
+    </p:spTree>
+    <p:extLst>
+      <p:ext uri="{BB962C8B-B14F-4D97-AF65-F5344CB8AC3E}">
+        <p14:creationId xmlns:p14="http://schemas.microsoft.com/office/powerpoint/2010/main" val="1594757889"/>
+      </p:ext>
+    </p:extLst>
+  </p:cSld>
+  <p:clrMapOvr>
+    <a:masterClrMapping/>
+  </p:clrMapOvr>
+  <p:transition xmlns:p14="http://schemas.microsoft.com/office/powerpoint/2010/main" spd="med"/>
+</p:sld>
+</file>
+
+<file path=ppt/slides/slide13.xml><?xml version="1.0" encoding="utf-8"?>
+<p:sld xmlns:a="http://schemas.openxmlformats.org/drawingml/2006/main" xmlns:r="http://schemas.openxmlformats.org/officeDocument/2006/relationships" xmlns:p="http://schemas.openxmlformats.org/presentationml/2006/main">
+  <p:cSld>
+    <p:spTree>
+      <p:nvGrpSpPr>
+        <p:cNvPr id="1" name=""/>
+        <p:cNvGrpSpPr/>
+        <p:nvPr/>
+      </p:nvGrpSpPr>
+      <p:grpSpPr>
+        <a:xfrm>
+          <a:off x="0" y="0"/>
+          <a:ext cx="0" cy="0"/>
+          <a:chOff x="0" y="0"/>
+          <a:chExt cx="0" cy="0"/>
+        </a:xfrm>
+      </p:grpSpPr>
+      <p:sp>
+        <p:nvSpPr>
+          <p:cNvPr id="3" name="文本占位符 2"/>
+          <p:cNvSpPr>
+            <a:spLocks noGrp="1"/>
+          </p:cNvSpPr>
+          <p:nvPr>
+            <p:ph type="body" idx="1"/>
+          </p:nvPr>
+        </p:nvSpPr>
+        <p:spPr>
+          <a:xfrm>
+            <a:off x="952500" y="993997"/>
+            <a:ext cx="11099800" cy="7883303"/>
+          </a:xfrm>
+        </p:spPr>
+        <p:txBody>
+          <a:bodyPr/>
+          <a:lstStyle/>
+          <a:p>
+            <a:r>
+              <a:rPr kumimoji="1" lang="en-US" altLang="zh-CN" dirty="0"/>
+              <a:t>P(</a:t>
+            </a:r>
+            <a:r>
+              <a:rPr kumimoji="1" lang="en-US" altLang="zh-CN" dirty="0" err="1"/>
+              <a:t>Girl|Pants</a:t>
+            </a:r>
+            <a:r>
+              <a:rPr kumimoji="1" lang="en-US" altLang="zh-CN" dirty="0"/>
+              <a:t>) = P(Girl) * P(</a:t>
+            </a:r>
+            <a:r>
+              <a:rPr kumimoji="1" lang="en-US" altLang="zh-CN" dirty="0" err="1"/>
+              <a:t>Pants|Girl</a:t>
+            </a:r>
+            <a:r>
+              <a:rPr kumimoji="1" lang="en-US" altLang="zh-CN" dirty="0"/>
+              <a:t>) / [P(Boy) * P(</a:t>
+            </a:r>
+            <a:r>
+              <a:rPr kumimoji="1" lang="en-US" altLang="zh-CN" dirty="0" err="1"/>
+              <a:t>Pants|Boy</a:t>
+            </a:r>
+            <a:r>
+              <a:rPr kumimoji="1" lang="en-US" altLang="zh-CN" dirty="0"/>
+              <a:t>) + P(Girl) * P(</a:t>
+            </a:r>
+            <a:r>
+              <a:rPr kumimoji="1" lang="en-US" altLang="zh-CN" dirty="0" err="1"/>
+              <a:t>Pants|Girl</a:t>
+            </a:r>
+            <a:r>
+              <a:rPr kumimoji="1" lang="en-US" altLang="zh-CN" dirty="0"/>
+              <a:t>)</a:t>
+            </a:r>
+            <a:r>
+              <a:rPr kumimoji="1" lang="en-US" altLang="zh-CN" dirty="0" smtClean="0"/>
+              <a:t>]</a:t>
+            </a:r>
+          </a:p>
+          <a:p>
+            <a:pPr marL="0" indent="0">
+              <a:buNone/>
+            </a:pPr>
+            <a:endParaRPr kumimoji="1" lang="en-US" altLang="zh-CN" dirty="0" smtClean="0"/>
+          </a:p>
+          <a:p>
+            <a:r>
+              <a:rPr kumimoji="1" lang="en-US" altLang="zh-CN" dirty="0"/>
+              <a:t>P(B|A) = P(A|B) * P(B) / [P(A|B) * P(B) + P(A|~B) * P(~B) ]</a:t>
+            </a:r>
+            <a:endParaRPr kumimoji="1" lang="zh-CN" altLang="en-US" dirty="0"/>
+          </a:p>
+        </p:txBody>
+      </p:sp>
+    </p:spTree>
+    <p:extLst>
+      <p:ext uri="{BB962C8B-B14F-4D97-AF65-F5344CB8AC3E}">
+        <p14:creationId xmlns:p14="http://schemas.microsoft.com/office/powerpoint/2010/main" val="3429435546"/>
+      </p:ext>
+    </p:extLst>
+  </p:cSld>
+  <p:clrMapOvr>
+    <a:masterClrMapping/>
+  </p:clrMapOvr>
+  <p:transition xmlns:p14="http://schemas.microsoft.com/office/powerpoint/2010/main" spd="med"/>
+</p:sld>
+</file>
+
+<file path=ppt/slides/slide14.xml><?xml version="1.0" encoding="utf-8"?>
+<p:sld xmlns:a="http://schemas.openxmlformats.org/drawingml/2006/main" xmlns:r="http://schemas.openxmlformats.org/officeDocument/2006/relationships" xmlns:p="http://schemas.openxmlformats.org/presentationml/2006/main">
+  <p:cSld>
+    <p:spTree>
+      <p:nvGrpSpPr>
+        <p:cNvPr id="1" name=""/>
+        <p:cNvGrpSpPr/>
+        <p:nvPr/>
+      </p:nvGrpSpPr>
+      <p:grpSpPr>
+        <a:xfrm>
+          <a:off x="0" y="0"/>
+          <a:ext cx="0" cy="0"/>
+          <a:chOff x="0" y="0"/>
+          <a:chExt cx="0" cy="0"/>
+        </a:xfrm>
+      </p:grpSpPr>
+      <p:sp>
+        <p:nvSpPr>
+          <p:cNvPr id="2" name="标题 1"/>
+          <p:cNvSpPr>
+            <a:spLocks noGrp="1"/>
+          </p:cNvSpPr>
+          <p:nvPr>
+            <p:ph type="title"/>
+          </p:nvPr>
+        </p:nvSpPr>
+        <p:spPr/>
+        <p:txBody>
+          <a:bodyPr/>
+          <a:lstStyle/>
+          <a:p>
+            <a:r>
+              <a:rPr kumimoji="1" lang="en-US" altLang="en-US" dirty="0" smtClean="0"/>
+              <a:t>拼写检查</a:t>
+            </a:r>
+            <a:endParaRPr kumimoji="1" lang="zh-CN" altLang="en-US" dirty="0"/>
+          </a:p>
+        </p:txBody>
+      </p:sp>
+      <p:sp>
+        <p:nvSpPr>
+          <p:cNvPr id="3" name="文本占位符 2"/>
+          <p:cNvSpPr>
+            <a:spLocks noGrp="1"/>
+          </p:cNvSpPr>
+          <p:nvPr>
+            <p:ph type="body" idx="1"/>
+          </p:nvPr>
+        </p:nvSpPr>
+        <p:spPr/>
+        <p:txBody>
+          <a:bodyPr>
+            <a:normAutofit lnSpcReduction="10000"/>
+          </a:bodyPr>
+          <a:lstStyle/>
+          <a:p>
+            <a:r>
+              <a:rPr kumimoji="1" lang="zh-CN" altLang="en-US" dirty="0" smtClean="0"/>
+              <a:t>当</a:t>
+            </a:r>
+            <a:r>
+              <a:rPr kumimoji="1" lang="zh-CN" altLang="en-US" dirty="0" smtClean="0"/>
+              <a:t>用户输入了一个</a:t>
+            </a:r>
+            <a:r>
+              <a:rPr kumimoji="1" lang="zh-CN" altLang="en-US" dirty="0"/>
+              <a:t>不在字典中的单词，我们需要去猜测：</a:t>
+            </a:r>
+            <a:r>
+              <a:rPr kumimoji="1" lang="zh-CN" altLang="en-US" dirty="0" smtClean="0"/>
+              <a:t>“</a:t>
+            </a:r>
+            <a:r>
+              <a:rPr kumimoji="1" lang="zh-CN" altLang="en-US" dirty="0" smtClean="0"/>
+              <a:t>用户</a:t>
+            </a:r>
+            <a:r>
+              <a:rPr kumimoji="1" lang="zh-CN" altLang="en-US" dirty="0" smtClean="0"/>
+              <a:t>到底真正想输入</a:t>
+            </a:r>
+            <a:r>
+              <a:rPr kumimoji="1" lang="zh-CN" altLang="en-US" dirty="0"/>
+              <a:t>的单词是什么呢？”用刚才我们形式化的语言来叙述就</a:t>
+            </a:r>
+            <a:r>
+              <a:rPr kumimoji="1" lang="zh-CN" altLang="en-US" dirty="0" smtClean="0"/>
+              <a:t>是</a:t>
+            </a:r>
+            <a:r>
+              <a:rPr kumimoji="1" lang="en-US" altLang="zh-CN" dirty="0" smtClean="0"/>
+              <a:t>:</a:t>
+            </a:r>
+          </a:p>
+          <a:p>
+            <a:pPr marL="0" indent="0">
+              <a:buNone/>
+            </a:pPr>
+            <a:r>
+              <a:rPr kumimoji="1" lang="en-US" altLang="zh-CN" dirty="0"/>
+              <a:t>P(</a:t>
+            </a:r>
+            <a:r>
+              <a:rPr kumimoji="1" lang="zh-CN" altLang="en-US" dirty="0"/>
+              <a:t>我们猜测他想输入的单词 </a:t>
+            </a:r>
+            <a:r>
+              <a:rPr kumimoji="1" lang="en-US" altLang="zh-CN" dirty="0"/>
+              <a:t>| </a:t>
+            </a:r>
+            <a:r>
+              <a:rPr kumimoji="1" lang="zh-CN" altLang="en-US" dirty="0"/>
+              <a:t>他实际输入的单词</a:t>
+            </a:r>
+            <a:r>
+              <a:rPr kumimoji="1" lang="en-US" altLang="zh-CN" dirty="0" smtClean="0"/>
+              <a:t>)</a:t>
+            </a:r>
+          </a:p>
+          <a:p>
+            <a:pPr marL="0" indent="0">
+              <a:buNone/>
+            </a:pPr>
+            <a:r>
+              <a:rPr kumimoji="1" lang="zh-CN" altLang="en-US" dirty="0" smtClean="0"/>
+              <a:t>记为 </a:t>
+            </a:r>
+            <a:r>
+              <a:rPr kumimoji="1" lang="en-US" altLang="zh-CN" dirty="0" smtClean="0"/>
+              <a:t>P</a:t>
+            </a:r>
+            <a:r>
+              <a:rPr kumimoji="1" lang="en-US" altLang="zh-CN" dirty="0"/>
+              <a:t>(h | D</a:t>
+            </a:r>
+            <a:r>
+              <a:rPr kumimoji="1" lang="en-US" altLang="zh-CN" dirty="0" smtClean="0"/>
+              <a:t>)</a:t>
+            </a:r>
+          </a:p>
+          <a:p>
+            <a:pPr marL="0" indent="0">
+              <a:buNone/>
+            </a:pPr>
+            <a:r>
+              <a:rPr kumimoji="1" lang="en-US" altLang="zh-CN" dirty="0"/>
+              <a:t>P(h | D) = P(h) * P(D | h) / P(D</a:t>
+            </a:r>
+            <a:r>
+              <a:rPr kumimoji="1" lang="en-US" altLang="zh-CN" dirty="0" smtClean="0"/>
+              <a:t>)</a:t>
+            </a:r>
+          </a:p>
+          <a:p>
+            <a:pPr marL="0" indent="0">
+              <a:buNone/>
+            </a:pPr>
+            <a:r>
+              <a:rPr kumimoji="1" lang="en-US" altLang="zh-CN" dirty="0"/>
+              <a:t>P(h | D) </a:t>
+            </a:r>
+            <a:r>
+              <a:rPr kumimoji="1" lang="en-US" altLang="zh-CN" sz="7200" dirty="0"/>
+              <a:t>∝ </a:t>
+            </a:r>
+            <a:r>
+              <a:rPr kumimoji="1" lang="en-US" altLang="zh-CN" dirty="0"/>
+              <a:t>P(h) * P(D | h)</a:t>
+            </a:r>
+            <a:endParaRPr kumimoji="1" lang="zh-CN" altLang="en-US" dirty="0"/>
+          </a:p>
+        </p:txBody>
+      </p:sp>
+    </p:spTree>
+    <p:extLst>
+      <p:ext uri="{BB962C8B-B14F-4D97-AF65-F5344CB8AC3E}">
+        <p14:creationId xmlns:p14="http://schemas.microsoft.com/office/powerpoint/2010/main" val="462620740"/>
+      </p:ext>
+    </p:extLst>
+  </p:cSld>
+  <p:clrMapOvr>
+    <a:masterClrMapping/>
+  </p:clrMapOvr>
+  <p:transition xmlns:p14="http://schemas.microsoft.com/office/powerpoint/2010/main" spd="med"/>
+</p:sld>
+</file>
+
+<file path=ppt/slides/slide15.xml><?xml version="1.0" encoding="utf-8"?>
+<p:sld xmlns:a="http://schemas.openxmlformats.org/drawingml/2006/main" xmlns:r="http://schemas.openxmlformats.org/officeDocument/2006/relationships" xmlns:p="http://schemas.openxmlformats.org/presentationml/2006/main">
+  <p:cSld>
+    <p:spTree>
+      <p:nvGrpSpPr>
+        <p:cNvPr id="1" name=""/>
+        <p:cNvGrpSpPr/>
+        <p:nvPr/>
+      </p:nvGrpSpPr>
+      <p:grpSpPr>
+        <a:xfrm>
+          <a:off x="0" y="0"/>
+          <a:ext cx="0" cy="0"/>
+          <a:chOff x="0" y="0"/>
+          <a:chExt cx="0" cy="0"/>
+        </a:xfrm>
+      </p:grpSpPr>
+      <p:sp>
+        <p:nvSpPr>
+          <p:cNvPr id="2" name="标题 1"/>
+          <p:cNvSpPr>
+            <a:spLocks noGrp="1"/>
+          </p:cNvSpPr>
+          <p:nvPr>
+            <p:ph type="title"/>
+          </p:nvPr>
+        </p:nvSpPr>
+        <p:spPr/>
+        <p:txBody>
+          <a:bodyPr/>
+          <a:lstStyle/>
+          <a:p>
+            <a:r>
+              <a:rPr kumimoji="1" lang="en-US" altLang="zh-CN" dirty="0" smtClean="0"/>
+              <a:t>NLP</a:t>
+            </a:r>
+            <a:endParaRPr kumimoji="1" lang="zh-CN" altLang="en-US" dirty="0"/>
+          </a:p>
+        </p:txBody>
+      </p:sp>
+      <p:sp>
+        <p:nvSpPr>
+          <p:cNvPr id="3" name="文本占位符 2"/>
+          <p:cNvSpPr>
+            <a:spLocks noGrp="1"/>
+          </p:cNvSpPr>
+          <p:nvPr>
+            <p:ph type="body" idx="1"/>
+          </p:nvPr>
+        </p:nvSpPr>
+        <p:spPr/>
+        <p:txBody>
+          <a:bodyPr/>
+          <a:lstStyle/>
+          <a:p>
+            <a:r>
+              <a:rPr kumimoji="1" lang="en-US" altLang="zh-CN" dirty="0"/>
+              <a:t>The girl </a:t>
+            </a:r>
+            <a:r>
+              <a:rPr kumimoji="1" lang="en-US" altLang="zh-CN" dirty="0" err="1" smtClean="0"/>
+              <a:t>saY</a:t>
+            </a:r>
+            <a:r>
+              <a:rPr kumimoji="1" lang="en-US" altLang="zh-CN" dirty="0" smtClean="0"/>
+              <a:t> </a:t>
+            </a:r>
+            <a:r>
+              <a:rPr kumimoji="1" lang="en-US" altLang="zh-CN" dirty="0"/>
+              <a:t>the boy </a:t>
+            </a:r>
+            <a:r>
+              <a:rPr kumimoji="1" lang="en-US" altLang="zh-CN" dirty="0" err="1" smtClean="0"/>
+              <a:t>Yith</a:t>
+            </a:r>
+            <a:r>
+              <a:rPr kumimoji="1" lang="en-US" altLang="zh-CN" dirty="0" smtClean="0"/>
+              <a:t> </a:t>
+            </a:r>
+            <a:r>
+              <a:rPr kumimoji="1" lang="en-US" altLang="zh-CN" dirty="0"/>
+              <a:t>a telescope</a:t>
+            </a:r>
+            <a:r>
+              <a:rPr kumimoji="1" lang="en-US" altLang="zh-CN" dirty="0" smtClean="0"/>
+              <a:t>.</a:t>
+            </a:r>
+          </a:p>
+          <a:p>
+            <a:r>
+              <a:rPr kumimoji="1" lang="zh-CN" altLang="en-US" dirty="0" smtClean="0"/>
+              <a:t>中文分词</a:t>
+            </a:r>
+            <a:endParaRPr kumimoji="1" lang="en-US" altLang="zh-CN" dirty="0" smtClean="0"/>
+          </a:p>
+          <a:p>
+            <a:pPr marL="0" indent="0">
+              <a:buNone/>
+            </a:pPr>
+            <a:r>
+              <a:rPr kumimoji="1" lang="zh-CN" altLang="en-US" dirty="0"/>
+              <a:t>南京市长</a:t>
+            </a:r>
+            <a:r>
+              <a:rPr kumimoji="1" lang="zh-CN" altLang="en-US" dirty="0" smtClean="0"/>
+              <a:t>江大桥</a:t>
+            </a:r>
+            <a:endParaRPr kumimoji="1" lang="en-US" altLang="zh-CN" dirty="0" smtClean="0"/>
+          </a:p>
+          <a:p>
+            <a:pPr marL="0" indent="0">
+              <a:buNone/>
+            </a:pPr>
+            <a:r>
+              <a:rPr kumimoji="1" lang="en-US" altLang="zh-CN" dirty="0"/>
+              <a:t>1. </a:t>
+            </a:r>
+            <a:r>
+              <a:rPr kumimoji="1" lang="zh-CN" altLang="en-US" dirty="0"/>
+              <a:t>南京市</a:t>
+            </a:r>
+            <a:r>
+              <a:rPr kumimoji="1" lang="en-US" altLang="zh-CN" dirty="0"/>
+              <a:t>/</a:t>
+            </a:r>
+            <a:r>
+              <a:rPr kumimoji="1" lang="zh-CN" altLang="en-US" dirty="0"/>
+              <a:t>长</a:t>
+            </a:r>
+            <a:r>
+              <a:rPr kumimoji="1" lang="zh-CN" altLang="en-US" dirty="0" smtClean="0"/>
+              <a:t>江大桥</a:t>
+            </a:r>
+            <a:endParaRPr kumimoji="1" lang="zh-CN" altLang="en-US" dirty="0"/>
+          </a:p>
+          <a:p>
+            <a:pPr marL="0" indent="0">
+              <a:buNone/>
+            </a:pPr>
+            <a:r>
+              <a:rPr kumimoji="1" lang="en-US" altLang="zh-CN" dirty="0"/>
+              <a:t>2. </a:t>
+            </a:r>
+            <a:r>
+              <a:rPr kumimoji="1" lang="zh-CN" altLang="en-US" dirty="0"/>
+              <a:t>南京</a:t>
+            </a:r>
+            <a:r>
+              <a:rPr kumimoji="1" lang="en-US" altLang="zh-CN" dirty="0"/>
+              <a:t>/</a:t>
+            </a:r>
+            <a:r>
+              <a:rPr kumimoji="1" lang="zh-CN" altLang="en-US" dirty="0"/>
+              <a:t>市长</a:t>
+            </a:r>
+            <a:r>
+              <a:rPr kumimoji="1" lang="en-US" altLang="zh-CN" dirty="0"/>
+              <a:t>/</a:t>
+            </a:r>
+            <a:r>
+              <a:rPr kumimoji="1" lang="zh-CN" altLang="en-US" dirty="0" smtClean="0"/>
+              <a:t>江大桥</a:t>
+            </a:r>
+            <a:endParaRPr kumimoji="1" lang="en-US" altLang="zh-CN" dirty="0" smtClean="0"/>
+          </a:p>
+          <a:p>
+            <a:pPr marL="0" indent="0">
+              <a:buNone/>
+            </a:pPr>
+            <a:r>
+              <a:rPr kumimoji="1" lang="zh-CN" altLang="en-US" dirty="0" smtClean="0"/>
+              <a:t>哪个更靠谱</a:t>
+            </a:r>
+            <a:r>
+              <a:rPr kumimoji="1" lang="en-US" altLang="zh-CN" dirty="0" smtClean="0"/>
+              <a:t>?</a:t>
+            </a:r>
+            <a:endParaRPr kumimoji="1" lang="zh-CN" altLang="en-US" dirty="0"/>
+          </a:p>
+        </p:txBody>
+      </p:sp>
+    </p:spTree>
+    <p:extLst>
+      <p:ext uri="{BB962C8B-B14F-4D97-AF65-F5344CB8AC3E}">
+        <p14:creationId xmlns:p14="http://schemas.microsoft.com/office/powerpoint/2010/main" val="3319234504"/>
+      </p:ext>
+    </p:extLst>
+  </p:cSld>
+  <p:clrMapOvr>
+    <a:masterClrMapping/>
+  </p:clrMapOvr>
+  <p:transition xmlns:p14="http://schemas.microsoft.com/office/powerpoint/2010/main" spd="med"/>
+</p:sld>
+</file>
+
+<file path=ppt/slides/slide16.xml><?xml version="1.0" encoding="utf-8"?>
+<p:sld xmlns:a="http://schemas.openxmlformats.org/drawingml/2006/main" xmlns:r="http://schemas.openxmlformats.org/officeDocument/2006/relationships" xmlns:p="http://schemas.openxmlformats.org/presentationml/2006/main">
+  <p:cSld>
+    <p:spTree>
+      <p:nvGrpSpPr>
+        <p:cNvPr id="1" name=""/>
+        <p:cNvGrpSpPr/>
+        <p:nvPr/>
+      </p:nvGrpSpPr>
+      <p:grpSpPr>
+        <a:xfrm>
+          <a:off x="0" y="0"/>
+          <a:ext cx="0" cy="0"/>
+          <a:chOff x="0" y="0"/>
+          <a:chExt cx="0" cy="0"/>
+        </a:xfrm>
+      </p:grpSpPr>
+      <p:sp>
+        <p:nvSpPr>
+          <p:cNvPr id="3" name="文本占位符 2"/>
+          <p:cNvSpPr>
+            <a:spLocks noGrp="1"/>
+          </p:cNvSpPr>
+          <p:nvPr>
+            <p:ph type="body" idx="1"/>
+          </p:nvPr>
+        </p:nvSpPr>
+        <p:spPr>
+          <a:xfrm>
+            <a:off x="952500" y="460184"/>
+            <a:ext cx="11099800" cy="8417116"/>
+          </a:xfrm>
+        </p:spPr>
+        <p:txBody>
+          <a:bodyPr/>
+          <a:lstStyle/>
+          <a:p>
+            <a:r>
+              <a:rPr kumimoji="1" lang="zh-CN" altLang="en-US" dirty="0"/>
+              <a:t>我们用贝叶斯公式来形式化地描述这个问题，令 </a:t>
+            </a:r>
+            <a:r>
+              <a:rPr kumimoji="1" lang="en-US" altLang="zh-CN" dirty="0"/>
+              <a:t>X </a:t>
+            </a:r>
+            <a:r>
+              <a:rPr kumimoji="1" lang="zh-CN" altLang="en-US" dirty="0"/>
+              <a:t>为字串（句子），</a:t>
+            </a:r>
+            <a:r>
+              <a:rPr kumimoji="1" lang="en-US" altLang="zh-CN" dirty="0"/>
+              <a:t>Y </a:t>
+            </a:r>
+            <a:r>
+              <a:rPr kumimoji="1" lang="zh-CN" altLang="en-US" dirty="0"/>
+              <a:t>为词串（一种特定的分词假设）。我们就是需要寻找使得 </a:t>
+            </a:r>
+            <a:r>
+              <a:rPr kumimoji="1" lang="en-US" altLang="zh-CN" dirty="0"/>
+              <a:t>P(Y|X) </a:t>
+            </a:r>
+            <a:r>
+              <a:rPr kumimoji="1" lang="zh-CN" altLang="en-US" dirty="0"/>
+              <a:t>最大的 </a:t>
+            </a:r>
+            <a:r>
+              <a:rPr kumimoji="1" lang="en-US" altLang="zh-CN" dirty="0"/>
+              <a:t>Y </a:t>
+            </a:r>
+            <a:r>
+              <a:rPr kumimoji="1" lang="zh-CN" altLang="en-US" dirty="0"/>
+              <a:t>，使用一次贝叶斯可得</a:t>
+            </a:r>
+            <a:r>
+              <a:rPr kumimoji="1" lang="zh-CN" altLang="en-US" dirty="0" smtClean="0"/>
+              <a:t>：</a:t>
+            </a:r>
+            <a:endParaRPr kumimoji="1" lang="zh-CN" altLang="en-US" dirty="0"/>
+          </a:p>
+          <a:p>
+            <a:r>
+              <a:rPr kumimoji="1" lang="en-US" altLang="zh-CN" dirty="0"/>
+              <a:t>P(Y|X) </a:t>
+            </a:r>
+            <a:r>
+              <a:rPr kumimoji="1" lang="en-US" altLang="zh-CN" sz="8800" dirty="0"/>
+              <a:t>∝</a:t>
+            </a:r>
+            <a:r>
+              <a:rPr kumimoji="1" lang="en-US" altLang="zh-CN" dirty="0"/>
+              <a:t> P(Y)*P(X|Y</a:t>
+            </a:r>
+            <a:r>
+              <a:rPr kumimoji="1" lang="en-US" altLang="zh-CN" dirty="0" smtClean="0"/>
+              <a:t>)</a:t>
+            </a:r>
+          </a:p>
+          <a:p>
+            <a:pPr marL="0" indent="0">
+              <a:buNone/>
+            </a:pPr>
+            <a:r>
+              <a:rPr kumimoji="1" lang="zh-CN" altLang="en-US" dirty="0"/>
+              <a:t>这种分词方式（词串）的可能性 乘以 这个词串生成我们的句子的</a:t>
+            </a:r>
+            <a:r>
+              <a:rPr kumimoji="1" lang="zh-CN" altLang="en-US" dirty="0" smtClean="0"/>
+              <a:t>可能性</a:t>
+            </a:r>
+            <a:endParaRPr kumimoji="1" lang="en-US" altLang="zh-CN" dirty="0" smtClean="0"/>
+          </a:p>
+          <a:p>
+            <a:pPr marL="0" indent="0">
+              <a:buNone/>
+            </a:pPr>
+            <a:r>
+              <a:rPr kumimoji="1" lang="en-US" altLang="zh-CN" dirty="0" smtClean="0"/>
+              <a:t>X</a:t>
+            </a:r>
+            <a:r>
+              <a:rPr kumimoji="1" lang="zh-CN" altLang="en-US" dirty="0" smtClean="0"/>
+              <a:t>是由</a:t>
+            </a:r>
+            <a:r>
+              <a:rPr kumimoji="1" lang="en-US" altLang="zh-CN" dirty="0" smtClean="0"/>
+              <a:t>Y</a:t>
+            </a:r>
+            <a:r>
+              <a:rPr kumimoji="1" lang="zh-CN" altLang="en-US" dirty="0" smtClean="0"/>
+              <a:t>精确生成</a:t>
+            </a:r>
+            <a:r>
+              <a:rPr kumimoji="1" lang="en-US" altLang="zh-CN" dirty="0" smtClean="0"/>
+              <a:t>,</a:t>
+            </a:r>
+            <a:r>
+              <a:rPr kumimoji="1" lang="zh-CN" altLang="en-US" dirty="0" smtClean="0"/>
+              <a:t> </a:t>
+            </a:r>
+            <a:r>
+              <a:rPr kumimoji="1" lang="en-US" altLang="zh-CN" dirty="0" smtClean="0"/>
+              <a:t>P(X|Y)=1</a:t>
+            </a:r>
+          </a:p>
+          <a:p>
+            <a:pPr marL="0" indent="0">
+              <a:buNone/>
+            </a:pPr>
+            <a:r>
+              <a:rPr kumimoji="1" lang="en-US" altLang="zh-CN" dirty="0" smtClean="0"/>
+              <a:t>P(Y|X)</a:t>
+            </a:r>
+            <a:r>
+              <a:rPr kumimoji="1" lang="zh-CN" altLang="en-US" dirty="0" smtClean="0"/>
+              <a:t>正比例于</a:t>
+            </a:r>
+            <a:r>
+              <a:rPr kumimoji="1" lang="en-US" altLang="zh-CN" dirty="0" smtClean="0"/>
+              <a:t>P(</a:t>
+            </a:r>
+            <a:r>
+              <a:rPr kumimoji="1" lang="en-US" altLang="zh-CN" dirty="0" smtClean="0"/>
+              <a:t>Y)</a:t>
+            </a:r>
+            <a:endParaRPr kumimoji="1" lang="en-US" altLang="zh-CN" dirty="0"/>
+          </a:p>
+        </p:txBody>
+      </p:sp>
+    </p:spTree>
+    <p:extLst>
+      <p:ext uri="{BB962C8B-B14F-4D97-AF65-F5344CB8AC3E}">
+        <p14:creationId xmlns:p14="http://schemas.microsoft.com/office/powerpoint/2010/main" val="894533714"/>
+      </p:ext>
+    </p:extLst>
+  </p:cSld>
+  <p:clrMapOvr>
+    <a:masterClrMapping/>
+  </p:clrMapOvr>
+  <p:transition xmlns:p14="http://schemas.microsoft.com/office/powerpoint/2010/main" spd="med"/>
+</p:sld>
+</file>
+
+<file path=ppt/slides/slide17.xml><?xml version="1.0" encoding="utf-8"?>
+<p:sld xmlns:a="http://schemas.openxmlformats.org/drawingml/2006/main" xmlns:r="http://schemas.openxmlformats.org/officeDocument/2006/relationships" xmlns:p="http://schemas.openxmlformats.org/presentationml/2006/main">
+  <p:cSld>
+    <p:spTree>
+      <p:nvGrpSpPr>
+        <p:cNvPr id="1" name=""/>
+        <p:cNvGrpSpPr/>
+        <p:nvPr/>
+      </p:nvGrpSpPr>
+      <p:grpSpPr>
+        <a:xfrm>
+          <a:off x="0" y="0"/>
+          <a:ext cx="0" cy="0"/>
+          <a:chOff x="0" y="0"/>
+          <a:chExt cx="0" cy="0"/>
+        </a:xfrm>
+      </p:grpSpPr>
+      <p:sp>
+        <p:nvSpPr>
+          <p:cNvPr id="3" name="文本占位符 2"/>
+          <p:cNvSpPr>
+            <a:spLocks noGrp="1"/>
+          </p:cNvSpPr>
+          <p:nvPr>
+            <p:ph type="body" idx="1"/>
+          </p:nvPr>
+        </p:nvSpPr>
+        <p:spPr>
+          <a:xfrm>
+            <a:off x="952500" y="496999"/>
+            <a:ext cx="11099800" cy="8380301"/>
+          </a:xfrm>
+        </p:spPr>
+        <p:txBody>
+          <a:bodyPr>
+            <a:normAutofit fontScale="92500" lnSpcReduction="10000"/>
+          </a:bodyPr>
+          <a:lstStyle/>
+          <a:p>
+            <a:r>
+              <a:rPr kumimoji="1" lang="zh-CN" altLang="en-US" dirty="0" smtClean="0"/>
+              <a:t>我们就变</a:t>
+            </a:r>
+            <a:r>
+              <a:rPr kumimoji="1" lang="zh-CN" altLang="en-US" dirty="0"/>
+              <a:t>成了去最大化 </a:t>
+            </a:r>
+            <a:r>
+              <a:rPr kumimoji="1" lang="en-US" altLang="zh-CN" dirty="0"/>
+              <a:t>P(Y) </a:t>
+            </a:r>
+            <a:r>
+              <a:rPr kumimoji="1" lang="zh-CN" altLang="en-US" dirty="0"/>
+              <a:t>，也就是寻找一种分词使得这个词串（句子）的概率最大化</a:t>
+            </a:r>
+            <a:r>
+              <a:rPr kumimoji="1" lang="zh-CN" altLang="en-US" dirty="0" smtClean="0"/>
+              <a:t>。</a:t>
+            </a:r>
+            <a:endParaRPr kumimoji="1" lang="en-US" altLang="zh-CN" dirty="0" smtClean="0"/>
+          </a:p>
+          <a:p>
+            <a:r>
+              <a:rPr kumimoji="1" lang="zh-TW" altLang="en-US" dirty="0"/>
+              <a:t>如何计算一个词串</a:t>
+            </a:r>
+            <a:r>
+              <a:rPr kumimoji="1" lang="zh-TW" altLang="en-US" dirty="0" smtClean="0"/>
+              <a:t>：</a:t>
+            </a:r>
+            <a:r>
+              <a:rPr kumimoji="1" lang="en-US" altLang="zh-TW" dirty="0" smtClean="0"/>
+              <a:t>X=[Y1</a:t>
+            </a:r>
+            <a:r>
+              <a:rPr kumimoji="1" lang="en-US" altLang="zh-TW" dirty="0"/>
+              <a:t>, </a:t>
+            </a:r>
+            <a:r>
+              <a:rPr kumimoji="1" lang="en-US" altLang="zh-TW" dirty="0" smtClean="0"/>
+              <a:t>Y2</a:t>
+            </a:r>
+            <a:r>
+              <a:rPr kumimoji="1" lang="en-US" altLang="zh-TW" dirty="0"/>
+              <a:t>, </a:t>
+            </a:r>
+            <a:r>
+              <a:rPr kumimoji="1" lang="en-US" altLang="zh-TW" dirty="0" smtClean="0"/>
+              <a:t>Y3</a:t>
+            </a:r>
+            <a:r>
+              <a:rPr kumimoji="1" lang="en-US" altLang="zh-TW" dirty="0"/>
+              <a:t>, </a:t>
+            </a:r>
+            <a:r>
+              <a:rPr kumimoji="1" lang="en-US" altLang="zh-TW" dirty="0" smtClean="0"/>
+              <a:t>Y4 …]</a:t>
+            </a:r>
+            <a:r>
+              <a:rPr kumimoji="1" lang="zh-TW" altLang="en-US" dirty="0" smtClean="0"/>
+              <a:t>的联合概率</a:t>
+            </a:r>
+            <a:r>
+              <a:rPr kumimoji="1" lang="en-US" altLang="zh-TW" dirty="0" smtClean="0"/>
+              <a:t>?</a:t>
+            </a:r>
+          </a:p>
+          <a:p>
+            <a:r>
+              <a:rPr kumimoji="1" lang="en-US" altLang="zh-TW" dirty="0"/>
+              <a:t>P</a:t>
+            </a:r>
+            <a:r>
+              <a:rPr kumimoji="1" lang="en-US" altLang="zh-TW" dirty="0" smtClean="0"/>
+              <a:t>(Y1</a:t>
+            </a:r>
+            <a:r>
+              <a:rPr kumimoji="1" lang="en-US" altLang="zh-TW" dirty="0"/>
+              <a:t>, </a:t>
+            </a:r>
+            <a:r>
+              <a:rPr kumimoji="1" lang="en-US" altLang="zh-TW" dirty="0" smtClean="0"/>
+              <a:t>Y2</a:t>
+            </a:r>
+            <a:r>
+              <a:rPr kumimoji="1" lang="en-US" altLang="zh-TW" dirty="0"/>
+              <a:t>, </a:t>
+            </a:r>
+            <a:r>
+              <a:rPr kumimoji="1" lang="en-US" altLang="zh-TW" dirty="0" smtClean="0"/>
+              <a:t>Y3</a:t>
+            </a:r>
+            <a:r>
+              <a:rPr kumimoji="1" lang="en-US" altLang="zh-TW" dirty="0"/>
+              <a:t>, </a:t>
+            </a:r>
+            <a:r>
+              <a:rPr kumimoji="1" lang="en-US" altLang="zh-TW" dirty="0" smtClean="0"/>
+              <a:t>Y4 </a:t>
+            </a:r>
+            <a:r>
+              <a:rPr kumimoji="1" lang="en-US" altLang="zh-TW" dirty="0"/>
+              <a:t>..) = P</a:t>
+            </a:r>
+            <a:r>
+              <a:rPr kumimoji="1" lang="en-US" altLang="zh-TW" dirty="0" smtClean="0"/>
+              <a:t>(Y1</a:t>
+            </a:r>
+            <a:r>
+              <a:rPr kumimoji="1" lang="en-US" altLang="zh-TW" dirty="0"/>
+              <a:t>) * P</a:t>
+            </a:r>
+            <a:r>
+              <a:rPr kumimoji="1" lang="en-US" altLang="zh-TW" dirty="0" smtClean="0"/>
+              <a:t>(Y2|Y1</a:t>
+            </a:r>
+            <a:r>
+              <a:rPr kumimoji="1" lang="en-US" altLang="zh-TW" dirty="0"/>
+              <a:t>) * P</a:t>
+            </a:r>
+            <a:r>
+              <a:rPr kumimoji="1" lang="en-US" altLang="zh-TW" dirty="0" smtClean="0"/>
+              <a:t>(Y3|Y2</a:t>
+            </a:r>
+            <a:r>
+              <a:rPr kumimoji="1" lang="en-US" altLang="zh-TW" dirty="0"/>
+              <a:t>, </a:t>
+            </a:r>
+            <a:r>
+              <a:rPr kumimoji="1" lang="en-US" altLang="zh-TW" dirty="0" smtClean="0"/>
+              <a:t>Y1</a:t>
+            </a:r>
+            <a:r>
+              <a:rPr kumimoji="1" lang="en-US" altLang="zh-TW" dirty="0"/>
+              <a:t>) * P</a:t>
+            </a:r>
+            <a:r>
+              <a:rPr kumimoji="1" lang="en-US" altLang="zh-TW" dirty="0" smtClean="0"/>
+              <a:t>(Y4|Y1,Y2,Y3</a:t>
+            </a:r>
+            <a:r>
+              <a:rPr kumimoji="1" lang="en-US" altLang="zh-TW" dirty="0"/>
+              <a:t>) * </a:t>
+            </a:r>
+            <a:r>
+              <a:rPr kumimoji="1" lang="en-US" altLang="zh-TW" dirty="0" smtClean="0"/>
+              <a:t>…</a:t>
+            </a:r>
+          </a:p>
+          <a:p>
+            <a:r>
+              <a:rPr kumimoji="1" lang="zh-CN" altLang="en-US" dirty="0" smtClean="0"/>
+              <a:t>由于数据稀疏问题</a:t>
+            </a:r>
+            <a:r>
+              <a:rPr kumimoji="1" lang="en-US" altLang="zh-CN" dirty="0" smtClean="0"/>
+              <a:t>,</a:t>
+            </a:r>
+            <a:r>
+              <a:rPr kumimoji="1" lang="zh-CN" altLang="en-US" dirty="0" smtClean="0"/>
+              <a:t> 计算</a:t>
+            </a:r>
+            <a:r>
+              <a:rPr kumimoji="1" lang="en-US" altLang="zh-CN" dirty="0" smtClean="0"/>
+              <a:t>P(Yn|Yn-1,</a:t>
+            </a:r>
+            <a:r>
+              <a:rPr kumimoji="1" lang="zh-CN" altLang="en-US" dirty="0" smtClean="0"/>
+              <a:t> </a:t>
+            </a:r>
+            <a:r>
+              <a:rPr kumimoji="1" lang="en-US" altLang="zh-CN" dirty="0" smtClean="0"/>
+              <a:t>Yn-2…Y2,Y1)</a:t>
+            </a:r>
+            <a:r>
+              <a:rPr kumimoji="1" lang="zh-CN" altLang="en-US" dirty="0" smtClean="0"/>
+              <a:t>不可能</a:t>
+            </a:r>
+            <a:r>
+              <a:rPr kumimoji="1" lang="en-US" altLang="zh-CN" dirty="0" smtClean="0"/>
+              <a:t>.</a:t>
+            </a:r>
+          </a:p>
+          <a:p>
+            <a:r>
+              <a:rPr kumimoji="1" lang="zh-CN" altLang="en-US" dirty="0" smtClean="0"/>
+              <a:t>假设</a:t>
+            </a:r>
+            <a:r>
+              <a:rPr kumimoji="1" lang="en-US" altLang="zh-CN" dirty="0" smtClean="0"/>
+              <a:t>:</a:t>
+            </a:r>
+            <a:r>
+              <a:rPr kumimoji="1" lang="zh-CN" altLang="en-US" dirty="0" smtClean="0"/>
+              <a:t>句</a:t>
+            </a:r>
+            <a:r>
+              <a:rPr kumimoji="1" lang="zh-CN" altLang="en-US" dirty="0"/>
+              <a:t>子中一个词的出现概率只依赖于它前面的有限的 </a:t>
+            </a:r>
+            <a:r>
+              <a:rPr kumimoji="1" lang="en-US" altLang="zh-CN" dirty="0"/>
+              <a:t>k </a:t>
+            </a:r>
+            <a:r>
+              <a:rPr kumimoji="1" lang="zh-CN" altLang="en-US" dirty="0"/>
+              <a:t>个词（</a:t>
+            </a:r>
+            <a:r>
+              <a:rPr kumimoji="1" lang="en-US" altLang="zh-CN" dirty="0"/>
+              <a:t>k </a:t>
+            </a:r>
+            <a:r>
+              <a:rPr kumimoji="1" lang="zh-CN" altLang="en-US" dirty="0"/>
+              <a:t>一般不超过 </a:t>
+            </a:r>
+            <a:r>
+              <a:rPr kumimoji="1" lang="en-US" altLang="zh-CN" dirty="0"/>
+              <a:t>3</a:t>
+            </a:r>
+            <a:r>
+              <a:rPr kumimoji="1" lang="zh-CN" altLang="en-US" dirty="0"/>
+              <a:t>，如果只依赖于前面的一个词，就是</a:t>
+            </a:r>
+            <a:r>
+              <a:rPr kumimoji="1" lang="en-US" altLang="zh-CN" dirty="0"/>
+              <a:t>2</a:t>
+            </a:r>
+            <a:r>
+              <a:rPr kumimoji="1" lang="zh-CN" altLang="en-US" dirty="0"/>
+              <a:t>元语言模型（</a:t>
+            </a:r>
+            <a:r>
+              <a:rPr kumimoji="1" lang="en-US" altLang="zh-CN" dirty="0"/>
+              <a:t>2-gram</a:t>
+            </a:r>
+            <a:r>
+              <a:rPr kumimoji="1" lang="zh-CN" altLang="en-US" dirty="0"/>
+              <a:t>），同理有 </a:t>
+            </a:r>
+            <a:r>
+              <a:rPr kumimoji="1" lang="en-US" altLang="zh-CN" dirty="0"/>
+              <a:t>3-gram </a:t>
+            </a:r>
+            <a:r>
+              <a:rPr kumimoji="1" lang="zh-CN" altLang="en-US" dirty="0"/>
+              <a:t>、 </a:t>
+            </a:r>
+            <a:r>
+              <a:rPr kumimoji="1" lang="en-US" altLang="zh-CN" dirty="0"/>
+              <a:t>4-gram </a:t>
+            </a:r>
+            <a:r>
+              <a:rPr kumimoji="1" lang="zh-CN" altLang="en-US" dirty="0"/>
+              <a:t>等）</a:t>
+            </a:r>
+          </a:p>
+        </p:txBody>
+      </p:sp>
+    </p:spTree>
+    <p:extLst>
+      <p:ext uri="{BB962C8B-B14F-4D97-AF65-F5344CB8AC3E}">
+        <p14:creationId xmlns:p14="http://schemas.microsoft.com/office/powerpoint/2010/main" val="4076982620"/>
+      </p:ext>
+    </p:extLst>
+  </p:cSld>
+  <p:clrMapOvr>
+    <a:masterClrMapping/>
+  </p:clrMapOvr>
+  <p:transition xmlns:p14="http://schemas.microsoft.com/office/powerpoint/2010/main" spd="med"/>
+</p:sld>
+</file>
+
+<file path=ppt/slides/slide18.xml><?xml version="1.0" encoding="utf-8"?>
+<p:sld xmlns:a="http://schemas.openxmlformats.org/drawingml/2006/main" xmlns:r="http://schemas.openxmlformats.org/officeDocument/2006/relationships" xmlns:p="http://schemas.openxmlformats.org/presentationml/2006/main">
+  <p:cSld>
+    <p:spTree>
+      <p:nvGrpSpPr>
+        <p:cNvPr id="1" name=""/>
+        <p:cNvGrpSpPr/>
+        <p:nvPr/>
+      </p:nvGrpSpPr>
+      <p:grpSpPr>
+        <a:xfrm>
+          <a:off x="0" y="0"/>
+          <a:ext cx="0" cy="0"/>
+          <a:chOff x="0" y="0"/>
+          <a:chExt cx="0" cy="0"/>
+        </a:xfrm>
+      </p:grpSpPr>
+      <p:sp>
+        <p:nvSpPr>
+          <p:cNvPr id="3" name="文本占位符 2"/>
+          <p:cNvSpPr>
+            <a:spLocks noGrp="1"/>
+          </p:cNvSpPr>
+          <p:nvPr>
+            <p:ph type="body" idx="1"/>
+          </p:nvPr>
+        </p:nvSpPr>
+        <p:spPr>
+          <a:xfrm>
+            <a:off x="952500" y="331332"/>
+            <a:ext cx="11099800" cy="8545968"/>
+          </a:xfrm>
+        </p:spPr>
+        <p:txBody>
+          <a:bodyPr/>
+          <a:lstStyle/>
+          <a:p>
+            <a:r>
+              <a:rPr kumimoji="1" lang="zh-CN" altLang="en-US" dirty="0" smtClean="0"/>
+              <a:t>按照贝叶斯分词（</a:t>
+            </a:r>
+            <a:r>
+              <a:rPr kumimoji="1" lang="zh-CN" altLang="en-US" dirty="0"/>
+              <a:t>假设使用 </a:t>
+            </a:r>
+            <a:r>
+              <a:rPr kumimoji="1" lang="en-US" altLang="zh-CN" dirty="0"/>
+              <a:t>3-gram</a:t>
+            </a:r>
+            <a:r>
+              <a:rPr kumimoji="1" lang="zh-CN" altLang="en-US" dirty="0"/>
+              <a:t>），由于“南京市长”和“江大桥”在语料库中一起出现的频率为 </a:t>
+            </a:r>
+            <a:r>
+              <a:rPr kumimoji="1" lang="en-US" altLang="zh-CN" dirty="0"/>
+              <a:t>0 </a:t>
+            </a:r>
+            <a:r>
+              <a:rPr kumimoji="1" lang="zh-CN" altLang="en-US" dirty="0"/>
+              <a:t>，这个整句的概率便会被判定为 </a:t>
+            </a:r>
+            <a:r>
+              <a:rPr kumimoji="1" lang="en-US" altLang="zh-CN" dirty="0"/>
+              <a:t>0 </a:t>
+            </a:r>
+            <a:r>
+              <a:rPr kumimoji="1" lang="zh-CN" altLang="en-US" dirty="0"/>
+              <a:t>。 从而使得“南京市</a:t>
+            </a:r>
+            <a:r>
+              <a:rPr kumimoji="1" lang="en-US" altLang="zh-CN" dirty="0"/>
+              <a:t>/</a:t>
+            </a:r>
+            <a:r>
+              <a:rPr kumimoji="1" lang="zh-CN" altLang="en-US" dirty="0"/>
+              <a:t>长江大桥”这一分词方式胜出。</a:t>
+            </a:r>
+          </a:p>
+        </p:txBody>
+      </p:sp>
+    </p:spTree>
+    <p:extLst>
+      <p:ext uri="{BB962C8B-B14F-4D97-AF65-F5344CB8AC3E}">
+        <p14:creationId xmlns:p14="http://schemas.microsoft.com/office/powerpoint/2010/main" val="267379279"/>
+      </p:ext>
+    </p:extLst>
+  </p:cSld>
+  <p:clrMapOvr>
+    <a:masterClrMapping/>
+  </p:clrMapOvr>
+  <p:transition xmlns:p14="http://schemas.microsoft.com/office/powerpoint/2010/main" spd="med"/>
+</p:sld>
+</file>
+
+<file path=ppt/slides/slide19.xml><?xml version="1.0" encoding="utf-8"?>
 <p:sld xmlns:a="http://schemas.openxmlformats.org/drawingml/2006/main" xmlns:r="http://schemas.openxmlformats.org/officeDocument/2006/relationships" xmlns:p="http://schemas.openxmlformats.org/presentationml/2006/main">
   <p:cSld>
     <p:spTree>
@@ -2315,7 +3610,7 @@
               </a:defRPr>
             </a:pPr>
             <a:r>
-              <a:rPr sz="8000">
+              <a:rPr sz="8000" dirty="0">
                 <a:solidFill>
                   <a:srgbClr val="FFFFFF"/>
                 </a:solidFill>
@@ -2439,7 +3734,27 @@
             </a:r>
             <a:r>
               <a:rPr kumimoji="1" lang="en-US" altLang="zh-CN" dirty="0"/>
-              <a:t> movie recommendation algorithm by at least 10%. A joint team made up of researchers from AT&amp;T Labs-Research in collaboration with the teams Big Chaos and Pragmatic Theory built an ensemble model to win the Grand Prize in 2009 for $1 million</a:t>
+              <a:t> movie recommendation algorithm by at least 10%. A joint team made up of researchers from AT&amp;T Labs-Research in collaboration </a:t>
+            </a:r>
+            <a:r>
+              <a:rPr kumimoji="1" lang="en-US" altLang="zh-CN" dirty="0" err="1" smtClean="0"/>
+              <a:t>Yith</a:t>
+            </a:r>
+            <a:r>
+              <a:rPr kumimoji="1" lang="en-US" altLang="zh-CN" dirty="0" smtClean="0"/>
+              <a:t> </a:t>
+            </a:r>
+            <a:r>
+              <a:rPr kumimoji="1" lang="en-US" altLang="zh-CN" dirty="0"/>
+              <a:t>the teams Big Chaos and Pragmatic Theory built an ensemble model to </a:t>
+            </a:r>
+            <a:r>
+              <a:rPr kumimoji="1" lang="en-US" altLang="zh-CN" dirty="0" smtClean="0"/>
+              <a:t>Yin </a:t>
+            </a:r>
+            <a:r>
+              <a:rPr kumimoji="1" lang="en-US" altLang="zh-CN" dirty="0"/>
+              <a:t>the Grand Prize in 2009 for $1 million</a:t>
             </a:r>
             <a:r>
               <a:rPr kumimoji="1" lang="en-US" altLang="zh-CN" dirty="0" smtClean="0"/>
@@ -2622,7 +3937,23 @@
             <a:pPr algn="l" rtl="0" latinLnBrk="1" hangingPunct="0"/>
             <a:r>
               <a:rPr lang="zh-CN" altLang="en-US" dirty="0"/>
-              <a:t>关联规则的目的在于在一个数据集中找出项之间的关系，也称之为购物蓝分析 </a:t>
+              <a:t>关联规则的目的在于在一个数据集中找出项之间的关系</a:t>
+            </a:r>
+            <a:r>
+              <a:rPr lang="zh-CN" altLang="en-US"/>
+              <a:t>，</a:t>
+            </a:r>
+            <a:r>
+              <a:rPr lang="zh-CN" altLang="en-US" smtClean="0"/>
+              <a:t>也称之为购物</a:t>
+            </a:r>
+            <a:r>
+              <a:rPr lang="zh-CN" altLang="en-US" smtClean="0"/>
+              <a:t>篮</a:t>
+            </a:r>
+            <a:r>
+              <a:rPr lang="zh-CN" altLang="en-US" smtClean="0"/>
+              <a:t>分析 </a:t>
             </a:r>
             <a:r>
               <a:rPr lang="en-US" altLang="zh-CN" dirty="0"/>
@@ -2985,12 +4316,36 @@
               </a:defRPr>
             </a:pPr>
             <a:r>
-              <a:rPr sz="2888">
+              <a:rPr sz="2888" dirty="0">
                 <a:solidFill>
                   <a:srgbClr val="FFFFFF"/>
                 </a:solidFill>
               </a:rPr>
-              <a:t>In the computer science field of artificial intelligence, genetic algorithm (GA) is a search heuristic that mimics the process of natural selection. This heuristic (also sometimes called a metaheuristic) is routinely used to generate useful solutions to optimization and search problems. Genetic algorithms belong to the larger class of evolutionary algorithms (EA), which generate solutions to optimization problems using techniques inspired by natural evolution, such as inheritance, mutation, selection, and crossover.</a:t>
+              <a:t>In the computer science field of artificial intelligence, genetic algorithm (GA) is a search heuristic that mimics the process of natural selection. This heuristic (also sometimes called a metaheuristic) is routinely used to generate useful solutions to optimization and search problems. Genetic algorithms belong to the larger class of evolutionary algorithms (EA), </a:t>
+            </a:r>
+            <a:r>
+              <a:rPr lang="en-US" sz="2888" dirty="0" smtClean="0">
+                <a:solidFill>
+                  <a:srgbClr val="FFFFFF"/>
+                </a:solidFill>
+              </a:rPr>
+              <a:t>Y</a:t>
+            </a:r>
+            <a:r>
+              <a:rPr sz="2888" dirty="0" smtClean="0">
+                <a:solidFill>
+                  <a:srgbClr val="FFFFFF"/>
+                </a:solidFill>
+              </a:rPr>
+              <a:t>hich </a:t>
+            </a:r>
+            <a:r>
+              <a:rPr sz="2888" dirty="0">
+                <a:solidFill>
+                  <a:srgbClr val="FFFFFF"/>
+                </a:solidFill>
+              </a:rPr>
+              <a:t>generate solutions to optimization problems using techniques inspired by natural evolution, such as inheritance, mutation, selection, and crossover.</a:t>
             </a:r>
           </a:p>
           <a:p>
@@ -3005,7 +4360,7 @@
               </a:defRPr>
             </a:pPr>
             <a:r>
-              <a:rPr sz="2888">
+              <a:rPr sz="2888" dirty="0">
                 <a:solidFill>
                   <a:srgbClr val="FFFFFF"/>
                 </a:solidFill>

--- a/doc/presentation.pptx
+++ b/doc/presentation.pptx
@@ -2131,6 +2131,13 @@
     <a:masterClrMapping/>
   </p:clrMapOvr>
   <p:transition xmlns:p14="http://schemas.microsoft.com/office/powerpoint/2010/main" spd="med"/>
+  <p:timing>
+    <p:tnLst>
+      <p:par>
+        <p:cTn xmlns:p14="http://schemas.microsoft.com/office/powerpoint/2010/main" id="1" dur="indefinite" restart="never" nodeType="tmRoot"/>
+      </p:par>
+    </p:tnLst>
+  </p:timing>
 </p:sld>
 </file>
 
@@ -2201,6 +2208,13 @@
     <a:masterClrMapping/>
   </p:clrMapOvr>
   <p:transition xmlns:p14="http://schemas.microsoft.com/office/powerpoint/2010/main" spd="med"/>
+  <p:timing>
+    <p:tnLst>
+      <p:par>
+        <p:cTn xmlns:p14="http://schemas.microsoft.com/office/powerpoint/2010/main" id="1" dur="indefinite" restart="never" nodeType="tmRoot"/>
+      </p:par>
+    </p:tnLst>
+  </p:timing>
 </p:sld>
 </file>
 
@@ -2275,6 +2289,13 @@
     <a:masterClrMapping/>
   </p:clrMapOvr>
   <p:transition xmlns:p14="http://schemas.microsoft.com/office/powerpoint/2010/main" spd="med"/>
+  <p:timing>
+    <p:tnLst>
+      <p:par>
+        <p:cTn xmlns:p14="http://schemas.microsoft.com/office/powerpoint/2010/main" id="1" dur="indefinite" restart="never" nodeType="tmRoot"/>
+      </p:par>
+    </p:tnLst>
+  </p:timing>
 </p:sld>
 </file>
 
@@ -2485,6 +2506,13 @@
     <a:masterClrMapping/>
   </p:clrMapOvr>
   <p:transition xmlns:p14="http://schemas.microsoft.com/office/powerpoint/2010/main" spd="med"/>
+  <p:timing>
+    <p:tnLst>
+      <p:par>
+        <p:cTn xmlns:p14="http://schemas.microsoft.com/office/powerpoint/2010/main" id="1" dur="indefinite" restart="never" nodeType="tmRoot"/>
+      </p:par>
+    </p:tnLst>
+  </p:timing>
 </p:sld>
 </file>
 
@@ -2592,6 +2620,13 @@
     <a:masterClrMapping/>
   </p:clrMapOvr>
   <p:transition xmlns:p14="http://schemas.microsoft.com/office/powerpoint/2010/main" spd="med"/>
+  <p:timing>
+    <p:tnLst>
+      <p:par>
+        <p:cTn xmlns:p14="http://schemas.microsoft.com/office/powerpoint/2010/main" id="1" dur="indefinite" restart="never" nodeType="tmRoot"/>
+      </p:par>
+    </p:tnLst>
+  </p:timing>
 </p:sld>
 </file>
 
@@ -2654,11 +2689,7 @@
           <a:p>
             <a:r>
               <a:rPr kumimoji="1" lang="zh-CN" altLang="en-US" dirty="0" smtClean="0"/>
-              <a:t>当</a:t>
-            </a:r>
-            <a:r>
-              <a:rPr kumimoji="1" lang="zh-CN" altLang="en-US" dirty="0" smtClean="0"/>
-              <a:t>用户输入了一个</a:t>
+              <a:t>当用户输入了一个</a:t>
             </a:r>
             <a:r>
               <a:rPr kumimoji="1" lang="zh-CN" altLang="en-US" dirty="0"/>
@@ -2666,15 +2697,7 @@
             </a:r>
             <a:r>
               <a:rPr kumimoji="1" lang="zh-CN" altLang="en-US" dirty="0" smtClean="0"/>
-              <a:t>“</a:t>
-            </a:r>
-            <a:r>
-              <a:rPr kumimoji="1" lang="zh-CN" altLang="en-US" dirty="0" smtClean="0"/>
-              <a:t>用户</a:t>
-            </a:r>
-            <a:r>
-              <a:rPr kumimoji="1" lang="zh-CN" altLang="en-US" dirty="0" smtClean="0"/>
-              <a:t>到底真正想输入</a:t>
+              <a:t>“用户到底真正想输入</a:t>
             </a:r>
             <a:r>
               <a:rPr kumimoji="1" lang="zh-CN" altLang="en-US" dirty="0"/>
@@ -2779,6 +2802,13 @@
     <a:masterClrMapping/>
   </p:clrMapOvr>
   <p:transition xmlns:p14="http://schemas.microsoft.com/office/powerpoint/2010/main" spd="med"/>
+  <p:timing>
+    <p:tnLst>
+      <p:par>
+        <p:cTn xmlns:p14="http://schemas.microsoft.com/office/powerpoint/2010/main" id="1" dur="indefinite" restart="never" nodeType="tmRoot"/>
+      </p:par>
+    </p:tnLst>
+  </p:timing>
 </p:sld>
 </file>
 
@@ -2842,8 +2872,12 @@
               <a:t>The girl </a:t>
             </a:r>
             <a:r>
-              <a:rPr kumimoji="1" lang="en-US" altLang="zh-CN" dirty="0" err="1" smtClean="0"/>
-              <a:t>saY</a:t>
+              <a:rPr kumimoji="1" lang="en-US" altLang="zh-CN" dirty="0" smtClean="0"/>
+              <a:t>sa</a:t>
+            </a:r>
+            <a:r>
+              <a:rPr kumimoji="1" lang="en-US" altLang="zh-CN" dirty="0" smtClean="0"/>
+              <a:t>w</a:t>
             </a:r>
             <a:r>
               <a:rPr kumimoji="1" lang="en-US" altLang="zh-CN" dirty="0" smtClean="0"/>
@@ -2854,12 +2888,12 @@
               <a:t>the boy </a:t>
             </a:r>
             <a:r>
-              <a:rPr kumimoji="1" lang="en-US" altLang="zh-CN" dirty="0" err="1" smtClean="0"/>
-              <a:t>Yith</a:t>
+              <a:rPr kumimoji="1" lang="en-US" altLang="zh-CN" dirty="0"/>
+              <a:t>w</a:t>
             </a:r>
             <a:r>
               <a:rPr kumimoji="1" lang="en-US" altLang="zh-CN" dirty="0" smtClean="0"/>
-              <a:t> </a:t>
+              <a:t>ith </a:t>
             </a:r>
             <a:r>
               <a:rPr kumimoji="1" lang="en-US" altLang="zh-CN" dirty="0"/>
@@ -2974,6 +3008,13 @@
     <a:masterClrMapping/>
   </p:clrMapOvr>
   <p:transition xmlns:p14="http://schemas.microsoft.com/office/powerpoint/2010/main" spd="med"/>
+  <p:timing>
+    <p:tnLst>
+      <p:par>
+        <p:cTn xmlns:p14="http://schemas.microsoft.com/office/powerpoint/2010/main" id="1" dur="indefinite" restart="never" nodeType="tmRoot"/>
+      </p:par>
+    </p:tnLst>
+  </p:timing>
 </p:sld>
 </file>
 
@@ -3135,11 +3176,7 @@
             </a:r>
             <a:r>
               <a:rPr kumimoji="1" lang="en-US" altLang="zh-CN" dirty="0" smtClean="0"/>
-              <a:t>P(</a:t>
-            </a:r>
-            <a:r>
-              <a:rPr kumimoji="1" lang="en-US" altLang="zh-CN" dirty="0" smtClean="0"/>
-              <a:t>Y)</a:t>
+              <a:t>P(Y)</a:t>
             </a:r>
             <a:endParaRPr kumimoji="1" lang="en-US" altLang="zh-CN" dirty="0"/>
           </a:p>
@@ -3156,6 +3193,13 @@
     <a:masterClrMapping/>
   </p:clrMapOvr>
   <p:transition xmlns:p14="http://schemas.microsoft.com/office/powerpoint/2010/main" spd="med"/>
+  <p:timing>
+    <p:tnLst>
+      <p:par>
+        <p:cTn xmlns:p14="http://schemas.microsoft.com/office/powerpoint/2010/main" id="1" dur="indefinite" restart="never" nodeType="tmRoot"/>
+      </p:par>
+    </p:tnLst>
+  </p:timing>
 </p:sld>
 </file>
 
@@ -3469,6 +3513,13 @@
     <a:masterClrMapping/>
   </p:clrMapOvr>
   <p:transition xmlns:p14="http://schemas.microsoft.com/office/powerpoint/2010/main" spd="med"/>
+  <p:timing>
+    <p:tnLst>
+      <p:par>
+        <p:cTn xmlns:p14="http://schemas.microsoft.com/office/powerpoint/2010/main" id="1" dur="indefinite" restart="never" nodeType="tmRoot"/>
+      </p:par>
+    </p:tnLst>
+  </p:timing>
 </p:sld>
 </file>
 
@@ -3563,6 +3614,13 @@
     <a:masterClrMapping/>
   </p:clrMapOvr>
   <p:transition xmlns:p14="http://schemas.microsoft.com/office/powerpoint/2010/main" spd="med"/>
+  <p:timing>
+    <p:tnLst>
+      <p:par>
+        <p:cTn xmlns:p14="http://schemas.microsoft.com/office/powerpoint/2010/main" id="1" dur="indefinite" restart="never" nodeType="tmRoot"/>
+      </p:par>
+    </p:tnLst>
+  </p:timing>
 </p:sld>
 </file>
 
@@ -3626,6 +3684,13 @@
     <a:masterClrMapping/>
   </p:clrMapOvr>
   <p:transition xmlns:p14="http://schemas.microsoft.com/office/powerpoint/2010/main" spd="med"/>
+  <p:timing>
+    <p:tnLst>
+      <p:par>
+        <p:cTn xmlns:p14="http://schemas.microsoft.com/office/powerpoint/2010/main" id="1" dur="indefinite" restart="never" nodeType="tmRoot"/>
+      </p:par>
+    </p:tnLst>
+  </p:timing>
 </p:sld>
 </file>
 
@@ -3689,6 +3754,13 @@
     <a:masterClrMapping/>
   </p:clrMapOvr>
   <p:transition xmlns:p14="http://schemas.microsoft.com/office/powerpoint/2010/main" spd="med"/>
+  <p:timing>
+    <p:tnLst>
+      <p:par>
+        <p:cTn xmlns:p14="http://schemas.microsoft.com/office/powerpoint/2010/main" id="1" dur="indefinite" restart="never" nodeType="tmRoot"/>
+      </p:par>
+    </p:tnLst>
+  </p:timing>
 </p:sld>
 </file>
 
@@ -3737,12 +3809,12 @@
               <a:t> movie recommendation algorithm by at least 10%. A joint team made up of researchers from AT&amp;T Labs-Research in collaboration </a:t>
             </a:r>
             <a:r>
-              <a:rPr kumimoji="1" lang="en-US" altLang="zh-CN" dirty="0" err="1" smtClean="0"/>
-              <a:t>Yith</a:t>
+              <a:rPr kumimoji="1" lang="en-US" altLang="zh-CN" dirty="0"/>
+              <a:t>w</a:t>
             </a:r>
             <a:r>
               <a:rPr kumimoji="1" lang="en-US" altLang="zh-CN" dirty="0" smtClean="0"/>
-              <a:t> </a:t>
+              <a:t>ith </a:t>
             </a:r>
             <a:r>
               <a:rPr kumimoji="1" lang="en-US" altLang="zh-CN" dirty="0"/>
@@ -3775,6 +3847,13 @@
     <a:masterClrMapping/>
   </p:clrMapOvr>
   <p:transition xmlns:p14="http://schemas.microsoft.com/office/powerpoint/2010/main" spd="med"/>
+  <p:timing>
+    <p:tnLst>
+      <p:par>
+        <p:cTn xmlns:p14="http://schemas.microsoft.com/office/powerpoint/2010/main" id="1" dur="indefinite" restart="never" nodeType="tmRoot"/>
+      </p:par>
+    </p:tnLst>
+  </p:timing>
 </p:sld>
 </file>
 
@@ -3875,6 +3954,13 @@
     <a:masterClrMapping/>
   </p:clrMapOvr>
   <p:transition xmlns:p14="http://schemas.microsoft.com/office/powerpoint/2010/main" spd="med"/>
+  <p:timing>
+    <p:tnLst>
+      <p:par>
+        <p:cTn xmlns:p14="http://schemas.microsoft.com/office/powerpoint/2010/main" id="1" dur="indefinite" restart="never" nodeType="tmRoot"/>
+      </p:par>
+    </p:tnLst>
+  </p:timing>
 </p:sld>
 </file>
 
@@ -3945,15 +4031,7 @@
             </a:r>
             <a:r>
               <a:rPr lang="zh-CN" altLang="en-US" smtClean="0"/>
-              <a:t>也称之为购物</a:t>
-            </a:r>
-            <a:r>
-              <a:rPr lang="zh-CN" altLang="en-US" smtClean="0"/>
-              <a:t>篮</a:t>
-            </a:r>
-            <a:r>
-              <a:rPr lang="zh-CN" altLang="en-US" smtClean="0"/>
-              <a:t>分析 </a:t>
+              <a:t>也称之为购物篮分析 </a:t>
             </a:r>
             <a:r>
               <a:rPr lang="en-US" altLang="zh-CN" dirty="0"/>
@@ -4042,6 +4120,13 @@
     <a:masterClrMapping/>
   </p:clrMapOvr>
   <p:transition xmlns:p14="http://schemas.microsoft.com/office/powerpoint/2010/main" spd="med"/>
+  <p:timing>
+    <p:tnLst>
+      <p:par>
+        <p:cTn xmlns:p14="http://schemas.microsoft.com/office/powerpoint/2010/main" id="1" dur="indefinite" restart="never" nodeType="tmRoot"/>
+      </p:par>
+    </p:tnLst>
+  </p:timing>
 </p:sld>
 </file>
 
@@ -4103,6 +4188,13 @@
     <a:masterClrMapping/>
   </p:clrMapOvr>
   <p:transition xmlns:p14="http://schemas.microsoft.com/office/powerpoint/2010/main" spd="med"/>
+  <p:timing>
+    <p:tnLst>
+      <p:par>
+        <p:cTn xmlns:p14="http://schemas.microsoft.com/office/powerpoint/2010/main" id="1" dur="indefinite" restart="never" nodeType="tmRoot"/>
+      </p:par>
+    </p:tnLst>
+  </p:timing>
 </p:sld>
 </file>
 
@@ -4166,6 +4258,13 @@
     <a:masterClrMapping/>
   </p:clrMapOvr>
   <p:transition xmlns:p14="http://schemas.microsoft.com/office/powerpoint/2010/main" spd="med"/>
+  <p:timing>
+    <p:tnLst>
+      <p:par>
+        <p:cTn xmlns:p14="http://schemas.microsoft.com/office/powerpoint/2010/main" id="1" dur="indefinite" restart="never" nodeType="tmRoot"/>
+      </p:par>
+    </p:tnLst>
+  </p:timing>
 </p:sld>
 </file>
 
@@ -4229,6 +4328,13 @@
     <a:masterClrMapping/>
   </p:clrMapOvr>
   <p:transition xmlns:p14="http://schemas.microsoft.com/office/powerpoint/2010/main" spd="med"/>
+  <p:timing>
+    <p:tnLst>
+      <p:par>
+        <p:cTn xmlns:p14="http://schemas.microsoft.com/office/powerpoint/2010/main" id="1" dur="indefinite" restart="never" nodeType="tmRoot"/>
+      </p:par>
+    </p:tnLst>
+  </p:timing>
 </p:sld>
 </file>
 
@@ -4376,6 +4482,13 @@
     <a:masterClrMapping/>
   </p:clrMapOvr>
   <p:transition xmlns:p14="http://schemas.microsoft.com/office/powerpoint/2010/main" spd="med"/>
+  <p:timing>
+    <p:tnLst>
+      <p:par>
+        <p:cTn xmlns:p14="http://schemas.microsoft.com/office/powerpoint/2010/main" id="1" dur="indefinite" restart="never" nodeType="tmRoot"/>
+      </p:par>
+    </p:tnLst>
+  </p:timing>
 </p:sld>
 </file>
 
